--- a/AdvOS/PPT+papers/Gu-DiffPriv.pptx
+++ b/AdvOS/PPT+papers/Gu-DiffPriv.pptx
@@ -218,7 +218,7 @@
             <a:fld id="{7C0CEB4B-0D62-444C-A05C-70565453F06B}" type="datetimeFigureOut">
               <a:rPr lang="en-US" smtClean="0"/>
               <a:pPr/>
-              <a:t>6/20/2019</a:t>
+              <a:t>6/3/2020</a:t>
             </a:fld>
             <a:endParaRPr lang="en-US"/>
           </a:p>
@@ -1103,7 +1103,7 @@
             <a:fld id="{CE1938E7-FCD4-418C-87D0-DD707A52F1FF}" type="datetimeFigureOut">
               <a:rPr lang="en-US" smtClean="0"/>
               <a:pPr/>
-              <a:t>6/20/2019</a:t>
+              <a:t>6/3/2020</a:t>
             </a:fld>
             <a:endParaRPr lang="en-US"/>
           </a:p>
@@ -1669,7 +1669,7 @@
             <a:fld id="{CE1938E7-FCD4-418C-87D0-DD707A52F1FF}" type="datetimeFigureOut">
               <a:rPr lang="en-US" smtClean="0"/>
               <a:pPr/>
-              <a:t>6/20/2019</a:t>
+              <a:t>6/3/2020</a:t>
             </a:fld>
             <a:endParaRPr lang="en-US"/>
           </a:p>
@@ -2069,9 +2069,18 @@
           <a:lstStyle/>
           <a:p>
             <a:r>
-              <a:rPr lang="en-US" dirty="0"/>
-              <a:t>201906</a:t>
+              <a:rPr lang="en-SE" dirty="0" smtClean="0"/>
+              <a:t>Z. Gu </a:t>
             </a:r>
+            <a:r>
+              <a:rPr lang="en-US" dirty="0" smtClean="0"/>
+              <a:t>20</a:t>
+            </a:r>
+            <a:r>
+              <a:rPr lang="en-SE" dirty="0" smtClean="0"/>
+              <a:t>20</a:t>
+            </a:r>
+            <a:endParaRPr lang="en-US" dirty="0"/>
           </a:p>
         </p:txBody>
       </p:sp>
@@ -3482,13 +3491,13 @@
         </p:nvSpPr>
         <p:spPr>
           <a:xfrm>
-            <a:off x="121203" y="1367642"/>
-            <a:ext cx="8937587" cy="2349390"/>
+            <a:off x="121203" y="980728"/>
+            <a:ext cx="8937587" cy="2736304"/>
           </a:xfrm>
         </p:spPr>
         <p:txBody>
           <a:bodyPr>
-            <a:normAutofit fontScale="70000" lnSpcReduction="20000"/>
+            <a:normAutofit fontScale="85000" lnSpcReduction="20000"/>
           </a:bodyPr>
           <a:lstStyle/>
           <a:p>
@@ -4546,8 +4555,8 @@
           </a:p>
         </p:txBody>
       </p:sp>
-      <mc:AlternateContent xmlns:mc="http://schemas.openxmlformats.org/markup-compatibility/2006">
-        <mc:Choice xmlns:a14="http://schemas.microsoft.com/office/drawing/2010/main" Requires="a14">
+      <mc:AlternateContent xmlns:mc="http://schemas.openxmlformats.org/markup-compatibility/2006" xmlns:a14="http://schemas.microsoft.com/office/drawing/2010/main">
+        <mc:Choice Requires="a14">
           <p:sp>
             <p:nvSpPr>
               <p:cNvPr id="3" name="内容占位符 2">
@@ -5056,7 +5065,7 @@
             </p:txBody>
           </p:sp>
         </mc:Choice>
-        <mc:Fallback>
+        <mc:Fallback xmlns="">
           <p:sp>
             <p:nvSpPr>
               <p:cNvPr id="3" name="内容占位符 2">

--- a/AdvOS/PPT+papers/Gu-DiffPriv.pptx
+++ b/AdvOS/PPT+papers/Gu-DiffPriv.pptx
@@ -5,7 +5,7 @@
     <p:sldMasterId id="2147483648" r:id="rId1"/>
   </p:sldMasterIdLst>
   <p:notesMasterIdLst>
-    <p:notesMasterId r:id="rId12"/>
+    <p:notesMasterId r:id="rId13"/>
   </p:notesMasterIdLst>
   <p:sldIdLst>
     <p:sldId id="256" r:id="rId2"/>
@@ -16,8 +16,9 @@
     <p:sldId id="261" r:id="rId7"/>
     <p:sldId id="262" r:id="rId8"/>
     <p:sldId id="263" r:id="rId9"/>
-    <p:sldId id="264" r:id="rId10"/>
-    <p:sldId id="265" r:id="rId11"/>
+    <p:sldId id="266" r:id="rId10"/>
+    <p:sldId id="264" r:id="rId11"/>
+    <p:sldId id="265" r:id="rId12"/>
   </p:sldIdLst>
   <p:sldSz cx="9144000" cy="6858000" type="screen4x3"/>
   <p:notesSz cx="6858000" cy="9144000"/>
@@ -902,7 +903,7 @@
             <a:fld id="{9759C4A7-EF62-4E76-99C8-FC7A8F377225}" type="slidenum">
               <a:rPr lang="en-US" smtClean="0"/>
               <a:pPr/>
-              <a:t>10</a:t>
+              <a:t>11</a:t>
             </a:fld>
             <a:endParaRPr lang="en-US"/>
           </a:p>
@@ -2114,6 +2115,500 @@
           <p:cNvPr id="2" name="标题 1">
             <a:extLst>
               <a:ext uri="{FF2B5EF4-FFF2-40B4-BE49-F238E27FC236}">
+                <a16:creationId xmlns:a16="http://schemas.microsoft.com/office/drawing/2014/main" id="{61CD0F20-9365-44AC-8C75-D59FAACC5959}"/>
+              </a:ext>
+            </a:extLst>
+          </p:cNvPr>
+          <p:cNvSpPr>
+            <a:spLocks noGrp="1"/>
+          </p:cNvSpPr>
+          <p:nvPr>
+            <p:ph type="title"/>
+          </p:nvPr>
+        </p:nvSpPr>
+        <p:spPr>
+          <a:xfrm>
+            <a:off x="244327" y="124118"/>
+            <a:ext cx="8839200" cy="1143000"/>
+          </a:xfrm>
+        </p:spPr>
+        <p:txBody>
+          <a:bodyPr/>
+          <a:lstStyle/>
+          <a:p>
+            <a:r>
+              <a:rPr lang="en-US" altLang="zh-CN" dirty="0"/>
+              <a:t>Adding Noise to give Privacy</a:t>
+            </a:r>
+            <a:endParaRPr lang="zh-CN" altLang="en-US" dirty="0"/>
+          </a:p>
+        </p:txBody>
+      </p:sp>
+      <mc:AlternateContent xmlns:mc="http://schemas.openxmlformats.org/markup-compatibility/2006">
+        <mc:Choice xmlns:a14="http://schemas.microsoft.com/office/drawing/2010/main" Requires="a14">
+          <p:sp>
+            <p:nvSpPr>
+              <p:cNvPr id="3" name="内容占位符 2">
+                <a:extLst>
+                  <a:ext uri="{FF2B5EF4-FFF2-40B4-BE49-F238E27FC236}">
+                    <a16:creationId xmlns:a16="http://schemas.microsoft.com/office/drawing/2014/main" id="{BF576447-98DF-4D00-A293-D566564438D8}"/>
+                  </a:ext>
+                </a:extLst>
+              </p:cNvPr>
+              <p:cNvSpPr>
+                <a:spLocks noGrp="1"/>
+              </p:cNvSpPr>
+              <p:nvPr>
+                <p:ph idx="1"/>
+              </p:nvPr>
+            </p:nvSpPr>
+            <p:spPr/>
+            <p:txBody>
+              <a:bodyPr/>
+              <a:lstStyle/>
+              <a:p>
+                <a:r>
+                  <a:rPr lang="en-US" altLang="zh-CN" dirty="0"/>
+                  <a:t>We add noise from a Laplace distribution with width </a:t>
+                </a:r>
+                <a14:m>
+                  <m:oMath xmlns:m="http://schemas.openxmlformats.org/officeDocument/2006/math">
+                    <m:r>
+                      <a:rPr lang="en-US" altLang="zh-CN" b="0" i="1" smtClean="0">
+                        <a:latin typeface="Cambria Math" panose="02040503050406030204" pitchFamily="18" charset="0"/>
+                      </a:rPr>
+                      <m:t>𝜎</m:t>
+                    </m:r>
+                    <m:r>
+                      <a:rPr lang="en-US" altLang="zh-CN" b="0" i="1" smtClean="0">
+                        <a:latin typeface="Cambria Math" panose="02040503050406030204" pitchFamily="18" charset="0"/>
+                      </a:rPr>
+                      <m:t>=</m:t>
+                    </m:r>
+                    <m:f>
+                      <m:fPr>
+                        <m:ctrlPr>
+                          <a:rPr lang="en-US" altLang="zh-CN" b="0" i="1" smtClean="0">
+                            <a:latin typeface="Cambria Math" panose="02040503050406030204" pitchFamily="18" charset="0"/>
+                          </a:rPr>
+                        </m:ctrlPr>
+                      </m:fPr>
+                      <m:num>
+                        <m:r>
+                          <a:rPr lang="en-US" altLang="zh-CN" b="0" i="1" smtClean="0">
+                            <a:latin typeface="Cambria Math" panose="02040503050406030204" pitchFamily="18" charset="0"/>
+                          </a:rPr>
+                          <m:t>1</m:t>
+                        </m:r>
+                      </m:num>
+                      <m:den>
+                        <m:r>
+                          <a:rPr lang="en-US" altLang="zh-CN" b="0" i="1" smtClean="0">
+                            <a:latin typeface="Cambria Math" panose="02040503050406030204" pitchFamily="18" charset="0"/>
+                          </a:rPr>
+                          <m:t>3</m:t>
+                        </m:r>
+                        <m:r>
+                          <a:rPr lang="en-US" altLang="zh-CN" b="0" i="1" smtClean="0">
+                            <a:latin typeface="Cambria Math" panose="02040503050406030204" pitchFamily="18" charset="0"/>
+                          </a:rPr>
+                          <m:t>𝑛</m:t>
+                        </m:r>
+                      </m:den>
+                    </m:f>
+                    <m:r>
+                      <a:rPr lang="en-US" altLang="zh-CN" b="0" i="1" smtClean="0">
+                        <a:latin typeface="Cambria Math" panose="02040503050406030204" pitchFamily="18" charset="0"/>
+                      </a:rPr>
+                      <m:t>=0.003</m:t>
+                    </m:r>
+                  </m:oMath>
+                </a14:m>
+                <a:r>
+                  <a:rPr lang="en-SE" altLang="zh-CN" dirty="0" smtClean="0"/>
+                  <a:t> </a:t>
+                </a:r>
+                <a:r>
+                  <a:rPr lang="en-SE" altLang="zh-CN" smtClean="0"/>
+                  <a:t>(b in previous slide)</a:t>
+                </a:r>
+                <a:endParaRPr lang="en-US" altLang="zh-CN" dirty="0"/>
+              </a:p>
+              <a:p>
+                <a:endParaRPr lang="zh-CN" altLang="en-US" dirty="0"/>
+              </a:p>
+            </p:txBody>
+          </p:sp>
+        </mc:Choice>
+        <mc:Fallback>
+          <p:sp>
+            <p:nvSpPr>
+              <p:cNvPr id="3" name="内容占位符 2">
+                <a:extLst>
+                  <a:ext uri="{FF2B5EF4-FFF2-40B4-BE49-F238E27FC236}">
+                    <a16:creationId xmlns:a16="http://schemas.microsoft.com/office/drawing/2014/main" id="{BF576447-98DF-4D00-A293-D566564438D8}"/>
+                  </a:ext>
+                </a:extLst>
+              </p:cNvPr>
+              <p:cNvSpPr>
+                <a:spLocks noGrp="1" noRot="1" noChangeAspect="1" noMove="1" noResize="1" noEditPoints="1" noAdjustHandles="1" noChangeArrowheads="1" noChangeShapeType="1" noTextEdit="1"/>
+              </p:cNvSpPr>
+              <p:nvPr>
+                <p:ph idx="1"/>
+              </p:nvPr>
+            </p:nvSpPr>
+            <p:spPr>
+              <a:blipFill>
+                <a:blip r:embed="rId2"/>
+                <a:stretch>
+                  <a:fillRect l="-1586" t="-1522"/>
+                </a:stretch>
+              </a:blipFill>
+            </p:spPr>
+            <p:txBody>
+              <a:bodyPr/>
+              <a:lstStyle/>
+              <a:p>
+                <a:r>
+                  <a:rPr lang="en-US">
+                    <a:noFill/>
+                  </a:rPr>
+                  <a:t> </a:t>
+                </a:r>
+              </a:p>
+            </p:txBody>
+          </p:sp>
+        </mc:Fallback>
+      </mc:AlternateContent>
+      <p:pic>
+        <p:nvPicPr>
+          <p:cNvPr id="2050" name="Picture 2" descr="NewImage">
+            <a:extLst>
+              <a:ext uri="{FF2B5EF4-FFF2-40B4-BE49-F238E27FC236}">
+                <a16:creationId xmlns:a16="http://schemas.microsoft.com/office/drawing/2014/main" id="{5EBD3D6A-18B6-4413-B469-BF6161BEE04A}"/>
+              </a:ext>
+            </a:extLst>
+          </p:cNvPr>
+          <p:cNvPicPr>
+            <a:picLocks noChangeAspect="1" noChangeArrowheads="1"/>
+          </p:cNvPicPr>
+          <p:nvPr/>
+        </p:nvPicPr>
+        <p:blipFill>
+          <a:blip r:embed="rId3">
+            <a:extLst>
+              <a:ext uri="{28A0092B-C50C-407E-A947-70E740481C1C}">
+                <a14:useLocalDpi xmlns:a14="http://schemas.microsoft.com/office/drawing/2010/main" val="0"/>
+              </a:ext>
+            </a:extLst>
+          </a:blip>
+          <a:srcRect/>
+          <a:stretch>
+            <a:fillRect/>
+          </a:stretch>
+        </p:blipFill>
+        <p:spPr bwMode="auto">
+          <a:xfrm>
+            <a:off x="-30088" y="2636912"/>
+            <a:ext cx="5705475" cy="4076700"/>
+          </a:xfrm>
+          <a:prstGeom prst="rect">
+            <a:avLst/>
+          </a:prstGeom>
+          <a:noFill/>
+          <a:extLst>
+            <a:ext uri="{909E8E84-426E-40DD-AFC4-6F175D3DCCD1}">
+              <a14:hiddenFill xmlns:a14="http://schemas.microsoft.com/office/drawing/2010/main">
+                <a:solidFill>
+                  <a:srgbClr val="FFFFFF"/>
+                </a:solidFill>
+              </a14:hiddenFill>
+            </a:ext>
+          </a:extLst>
+        </p:spPr>
+      </p:pic>
+      <mc:AlternateContent xmlns:mc="http://schemas.openxmlformats.org/markup-compatibility/2006" xmlns:a14="http://schemas.microsoft.com/office/drawing/2010/main">
+        <mc:Choice Requires="a14">
+          <p:sp>
+            <p:nvSpPr>
+              <p:cNvPr id="5" name="矩形 4">
+                <a:extLst>
+                  <a:ext uri="{FF2B5EF4-FFF2-40B4-BE49-F238E27FC236}">
+                    <a16:creationId xmlns:a16="http://schemas.microsoft.com/office/drawing/2014/main" id="{0589A31A-1363-4283-A25D-05EDB16D810D}"/>
+                  </a:ext>
+                </a:extLst>
+              </p:cNvPr>
+              <p:cNvSpPr/>
+              <p:nvPr/>
+            </p:nvSpPr>
+            <p:spPr>
+              <a:xfrm>
+                <a:off x="5324327" y="2924944"/>
+                <a:ext cx="3819673" cy="3416320"/>
+              </a:xfrm>
+              <a:prstGeom prst="rect">
+                <a:avLst/>
+              </a:prstGeom>
+            </p:spPr>
+            <p:txBody>
+              <a:bodyPr wrap="square">
+                <a:spAutoFit/>
+              </a:bodyPr>
+              <a:lstStyle/>
+              <a:p>
+                <a:r>
+                  <a:rPr lang="en-US" altLang="zh-CN" sz="2400" dirty="0"/>
+                  <a:t>The shaded </a:t>
+                </a:r>
+                <a:r>
+                  <a:rPr lang="en-US" altLang="zh-CN" sz="2400" dirty="0">
+                    <a:solidFill>
+                      <a:srgbClr val="00B050"/>
+                    </a:solidFill>
+                  </a:rPr>
+                  <a:t>green region </a:t>
+                </a:r>
+                <a:r>
+                  <a:rPr lang="en-US" altLang="zh-CN" sz="2400" dirty="0"/>
+                  <a:t>represents the chance that </a:t>
+                </a:r>
+                <a14:m>
+                  <m:oMath xmlns:m="http://schemas.openxmlformats.org/officeDocument/2006/math">
+                    <m:r>
+                      <a:rPr lang="en-US" altLang="zh-CN" sz="2400" i="1">
+                        <a:latin typeface="Cambria Math" panose="02040503050406030204" pitchFamily="18" charset="0"/>
+                      </a:rPr>
+                      <m:t>𝐴</m:t>
+                    </m:r>
+                    <m:d>
+                      <m:dPr>
+                        <m:ctrlPr>
+                          <a:rPr lang="en-US" altLang="zh-CN" sz="2400" i="1">
+                            <a:latin typeface="Cambria Math" panose="02040503050406030204" pitchFamily="18" charset="0"/>
+                          </a:rPr>
+                        </m:ctrlPr>
+                      </m:dPr>
+                      <m:e>
+                        <m:r>
+                          <a:rPr lang="en-US" altLang="zh-CN" sz="2400" i="1">
+                            <a:latin typeface="Cambria Math" panose="02040503050406030204" pitchFamily="18" charset="0"/>
+                          </a:rPr>
+                          <m:t>𝑆</m:t>
+                        </m:r>
+                      </m:e>
+                    </m:d>
+                    <m:r>
+                      <a:rPr lang="en-US" altLang="zh-CN" sz="2400" b="0" i="1" smtClean="0">
+                        <a:latin typeface="Cambria Math" panose="02040503050406030204" pitchFamily="18" charset="0"/>
+                      </a:rPr>
+                      <m:t>≥</m:t>
+                    </m:r>
+                    <m:r>
+                      <a:rPr lang="en-US" altLang="zh-CN" sz="2400" b="0" i="1" smtClean="0">
+                        <a:latin typeface="Cambria Math" panose="02040503050406030204" pitchFamily="18" charset="0"/>
+                      </a:rPr>
+                      <m:t>𝑇</m:t>
+                    </m:r>
+                  </m:oMath>
+                </a14:m>
+                <a:r>
+                  <a:rPr lang="en-US" altLang="zh-CN" sz="2400" dirty="0"/>
+                  <a:t>, the probability that the adversary will mistake </a:t>
+                </a:r>
+                <a14:m>
+                  <m:oMath xmlns:m="http://schemas.openxmlformats.org/officeDocument/2006/math">
+                    <m:r>
+                      <a:rPr lang="en-US" altLang="zh-CN" sz="2400" i="1">
+                        <a:latin typeface="Cambria Math" panose="02040503050406030204" pitchFamily="18" charset="0"/>
+                      </a:rPr>
+                      <m:t>𝑆</m:t>
+                    </m:r>
+                  </m:oMath>
+                </a14:m>
+                <a:r>
+                  <a:rPr lang="en-US" altLang="zh-CN" sz="2400" dirty="0"/>
+                  <a:t> for </a:t>
+                </a:r>
+                <a14:m>
+                  <m:oMath xmlns:m="http://schemas.openxmlformats.org/officeDocument/2006/math">
+                    <m:r>
+                      <a:rPr lang="en-US" altLang="zh-CN" sz="2400" i="1">
+                        <a:latin typeface="Cambria Math" panose="02040503050406030204" pitchFamily="18" charset="0"/>
+                      </a:rPr>
+                      <m:t>𝑆</m:t>
+                    </m:r>
+                    <m:r>
+                      <a:rPr lang="en-US" altLang="zh-CN" sz="2400" b="0" i="1" smtClean="0">
+                        <a:latin typeface="Cambria Math" panose="02040503050406030204" pitchFamily="18" charset="0"/>
+                      </a:rPr>
+                      <m:t>′</m:t>
+                    </m:r>
+                  </m:oMath>
+                </a14:m>
+                <a:r>
+                  <a:rPr lang="en-US" altLang="zh-CN" sz="2400" dirty="0"/>
+                  <a:t> in a round of the game. We’ve now made that probability non-zero, but it’s still very likely that if </a:t>
+                </a:r>
+                <a14:m>
+                  <m:oMath xmlns:m="http://schemas.openxmlformats.org/officeDocument/2006/math">
+                    <m:r>
+                      <a:rPr lang="en-US" altLang="zh-CN" sz="2400" i="1">
+                        <a:latin typeface="Cambria Math" panose="02040503050406030204" pitchFamily="18" charset="0"/>
+                      </a:rPr>
+                      <m:t>𝐴</m:t>
+                    </m:r>
+                    <m:d>
+                      <m:dPr>
+                        <m:ctrlPr>
+                          <a:rPr lang="en-US" altLang="zh-CN" sz="2400" i="1">
+                            <a:latin typeface="Cambria Math" panose="02040503050406030204" pitchFamily="18" charset="0"/>
+                          </a:rPr>
+                        </m:ctrlPr>
+                      </m:dPr>
+                      <m:e>
+                        <m:r>
+                          <a:rPr lang="en-US" altLang="zh-CN" sz="2400" b="0" i="1" smtClean="0">
+                            <a:latin typeface="Cambria Math" panose="02040503050406030204" pitchFamily="18" charset="0"/>
+                          </a:rPr>
+                          <m:t>𝑠</m:t>
+                        </m:r>
+                      </m:e>
+                    </m:d>
+                    <m:r>
+                      <a:rPr lang="en-US" altLang="zh-CN" sz="2400" i="1">
+                        <a:latin typeface="Cambria Math" panose="02040503050406030204" pitchFamily="18" charset="0"/>
+                      </a:rPr>
+                      <m:t>≥</m:t>
+                    </m:r>
+                    <m:r>
+                      <a:rPr lang="en-US" altLang="zh-CN" sz="2400" i="1">
+                        <a:latin typeface="Cambria Math" panose="02040503050406030204" pitchFamily="18" charset="0"/>
+                      </a:rPr>
+                      <m:t>𝑇</m:t>
+                    </m:r>
+                  </m:oMath>
+                </a14:m>
+                <a:r>
+                  <a:rPr lang="en-US" altLang="zh-CN" sz="2400" dirty="0"/>
+                  <a:t>, then </a:t>
+                </a:r>
+                <a14:m>
+                  <m:oMath xmlns:m="http://schemas.openxmlformats.org/officeDocument/2006/math">
+                    <m:r>
+                      <a:rPr lang="en-US" altLang="zh-CN" sz="2400" b="0" i="1" smtClean="0">
+                        <a:latin typeface="Cambria Math" panose="02040503050406030204" pitchFamily="18" charset="0"/>
+                      </a:rPr>
+                      <m:t>𝑠</m:t>
+                    </m:r>
+                    <m:r>
+                      <a:rPr lang="en-US" altLang="zh-CN" sz="2400" b="0" i="1" smtClean="0">
+                        <a:latin typeface="Cambria Math" panose="02040503050406030204" pitchFamily="18" charset="0"/>
+                      </a:rPr>
+                      <m:t>=</m:t>
+                    </m:r>
+                    <m:r>
+                      <a:rPr lang="en-US" altLang="zh-CN" sz="2400" b="0" i="1" smtClean="0">
+                        <a:latin typeface="Cambria Math" panose="02040503050406030204" pitchFamily="18" charset="0"/>
+                      </a:rPr>
+                      <m:t>𝑆</m:t>
+                    </m:r>
+                    <m:r>
+                      <a:rPr lang="en-US" altLang="zh-CN" sz="2400" b="0" i="1" smtClean="0">
+                        <a:latin typeface="Cambria Math" panose="02040503050406030204" pitchFamily="18" charset="0"/>
+                      </a:rPr>
+                      <m:t>′</m:t>
+                    </m:r>
+                  </m:oMath>
+                </a14:m>
+                <a:r>
+                  <a:rPr lang="en-US" altLang="zh-CN" sz="2400" dirty="0"/>
+                  <a:t>.</a:t>
+                </a:r>
+                <a:endParaRPr lang="zh-CN" altLang="en-US" sz="3200" dirty="0"/>
+              </a:p>
+            </p:txBody>
+          </p:sp>
+        </mc:Choice>
+        <mc:Fallback xmlns="">
+          <p:sp>
+            <p:nvSpPr>
+              <p:cNvPr id="5" name="矩形 4">
+                <a:extLst>
+                  <a:ext uri="{FF2B5EF4-FFF2-40B4-BE49-F238E27FC236}">
+                    <a16:creationId xmlns:a16="http://schemas.microsoft.com/office/drawing/2014/main" id="{0589A31A-1363-4283-A25D-05EDB16D810D}"/>
+                  </a:ext>
+                </a:extLst>
+              </p:cNvPr>
+              <p:cNvSpPr>
+                <a:spLocks noRot="1" noChangeAspect="1" noMove="1" noResize="1" noEditPoints="1" noAdjustHandles="1" noChangeArrowheads="1" noChangeShapeType="1" noTextEdit="1"/>
+              </p:cNvSpPr>
+              <p:nvPr/>
+            </p:nvSpPr>
+            <p:spPr>
+              <a:xfrm>
+                <a:off x="5324327" y="2924944"/>
+                <a:ext cx="3819673" cy="3416320"/>
+              </a:xfrm>
+              <a:prstGeom prst="rect">
+                <a:avLst/>
+              </a:prstGeom>
+              <a:blipFill>
+                <a:blip r:embed="rId4"/>
+                <a:stretch>
+                  <a:fillRect l="-2392" t="-1429" r="-2552" b="-3214"/>
+                </a:stretch>
+              </a:blipFill>
+            </p:spPr>
+            <p:txBody>
+              <a:bodyPr/>
+              <a:lstStyle/>
+              <a:p>
+                <a:r>
+                  <a:rPr lang="zh-CN" altLang="en-US">
+                    <a:noFill/>
+                  </a:rPr>
+                  <a:t> </a:t>
+                </a:r>
+              </a:p>
+            </p:txBody>
+          </p:sp>
+        </mc:Fallback>
+      </mc:AlternateContent>
+    </p:spTree>
+    <p:extLst>
+      <p:ext uri="{BB962C8B-B14F-4D97-AF65-F5344CB8AC3E}">
+        <p14:creationId xmlns:p14="http://schemas.microsoft.com/office/powerpoint/2010/main" val="231026516"/>
+      </p:ext>
+    </p:extLst>
+  </p:cSld>
+  <p:clrMapOvr>
+    <a:masterClrMapping/>
+  </p:clrMapOvr>
+</p:sld>
+</file>
+
+<file path=ppt/slides/slide11.xml><?xml version="1.0" encoding="utf-8"?>
+<p:sld xmlns:a="http://schemas.openxmlformats.org/drawingml/2006/main" xmlns:r="http://schemas.openxmlformats.org/officeDocument/2006/relationships" xmlns:p="http://schemas.openxmlformats.org/presentationml/2006/main">
+  <p:cSld>
+    <p:spTree>
+      <p:nvGrpSpPr>
+        <p:cNvPr id="1" name=""/>
+        <p:cNvGrpSpPr/>
+        <p:nvPr/>
+      </p:nvGrpSpPr>
+      <p:grpSpPr>
+        <a:xfrm>
+          <a:off x="0" y="0"/>
+          <a:ext cx="0" cy="0"/>
+          <a:chOff x="0" y="0"/>
+          <a:chExt cx="0" cy="0"/>
+        </a:xfrm>
+      </p:grpSpPr>
+      <p:sp>
+        <p:nvSpPr>
+          <p:cNvPr id="2" name="标题 1">
+            <a:extLst>
+              <a:ext uri="{FF2B5EF4-FFF2-40B4-BE49-F238E27FC236}">
                 <a16:creationId xmlns:a16="http://schemas.microsoft.com/office/drawing/2014/main" id="{11DFEFD3-48CF-4BF6-947D-506FD59663C2}"/>
               </a:ext>
             </a:extLst>
@@ -5804,13 +6299,7 @@
       </p:grpSpPr>
       <p:sp>
         <p:nvSpPr>
-          <p:cNvPr id="2" name="标题 1">
-            <a:extLst>
-              <a:ext uri="{FF2B5EF4-FFF2-40B4-BE49-F238E27FC236}">
-                <a16:creationId xmlns:a16="http://schemas.microsoft.com/office/drawing/2014/main" id="{61CD0F20-9365-44AC-8C75-D59FAACC5959}"/>
-              </a:ext>
-            </a:extLst>
-          </p:cNvPr>
+          <p:cNvPr id="2" name="Title 1"/>
           <p:cNvSpPr>
             <a:spLocks noGrp="1"/>
           </p:cNvSpPr>
@@ -5820,166 +6309,53 @@
         </p:nvSpPr>
         <p:spPr>
           <a:xfrm>
-            <a:off x="244327" y="124118"/>
-            <a:ext cx="8839200" cy="1143000"/>
+            <a:off x="152400" y="71422"/>
+            <a:ext cx="4419600" cy="1143000"/>
           </a:xfrm>
         </p:spPr>
+        <p:txBody>
+          <a:bodyPr>
+            <a:normAutofit fontScale="90000"/>
+          </a:bodyPr>
+          <a:lstStyle/>
+          <a:p>
+            <a:r>
+              <a:rPr lang="en-SE" dirty="0" smtClean="0"/>
+              <a:t>Laplacian Distribution</a:t>
+            </a:r>
+            <a:endParaRPr lang="en-US" dirty="0"/>
+          </a:p>
+        </p:txBody>
+      </p:sp>
+      <p:sp>
+        <p:nvSpPr>
+          <p:cNvPr id="3" name="Content Placeholder 2"/>
+          <p:cNvSpPr>
+            <a:spLocks noGrp="1"/>
+          </p:cNvSpPr>
+          <p:nvPr>
+            <p:ph idx="1"/>
+          </p:nvPr>
+        </p:nvSpPr>
+        <p:spPr/>
         <p:txBody>
           <a:bodyPr/>
           <a:lstStyle/>
           <a:p>
-            <a:r>
-              <a:rPr lang="en-US" altLang="zh-CN" dirty="0"/>
-              <a:t>Adding Noise to give Privacy</a:t>
-            </a:r>
-            <a:endParaRPr lang="zh-CN" altLang="en-US" dirty="0"/>
+            <a:endParaRPr lang="en-US" dirty="0"/>
           </a:p>
         </p:txBody>
       </p:sp>
-      <mc:AlternateContent xmlns:mc="http://schemas.openxmlformats.org/markup-compatibility/2006" xmlns:a14="http://schemas.microsoft.com/office/drawing/2010/main">
-        <mc:Choice Requires="a14">
-          <p:sp>
-            <p:nvSpPr>
-              <p:cNvPr id="3" name="内容占位符 2">
-                <a:extLst>
-                  <a:ext uri="{FF2B5EF4-FFF2-40B4-BE49-F238E27FC236}">
-                    <a16:creationId xmlns:a16="http://schemas.microsoft.com/office/drawing/2014/main" id="{BF576447-98DF-4D00-A293-D566564438D8}"/>
-                  </a:ext>
-                </a:extLst>
-              </p:cNvPr>
-              <p:cNvSpPr>
-                <a:spLocks noGrp="1"/>
-              </p:cNvSpPr>
-              <p:nvPr>
-                <p:ph idx="1"/>
-              </p:nvPr>
-            </p:nvSpPr>
-            <p:spPr/>
-            <p:txBody>
-              <a:bodyPr/>
-              <a:lstStyle/>
-              <a:p>
-                <a:r>
-                  <a:rPr lang="en-US" altLang="zh-CN" dirty="0"/>
-                  <a:t>We add noise from a Laplace distribution with width </a:t>
-                </a:r>
-                <a14:m>
-                  <m:oMath xmlns:m="http://schemas.openxmlformats.org/officeDocument/2006/math">
-                    <m:r>
-                      <a:rPr lang="en-US" altLang="zh-CN" b="0" i="1" smtClean="0">
-                        <a:latin typeface="Cambria Math" panose="02040503050406030204" pitchFamily="18" charset="0"/>
-                      </a:rPr>
-                      <m:t>𝜎</m:t>
-                    </m:r>
-                    <m:r>
-                      <a:rPr lang="en-US" altLang="zh-CN" b="0" i="1" smtClean="0">
-                        <a:latin typeface="Cambria Math" panose="02040503050406030204" pitchFamily="18" charset="0"/>
-                      </a:rPr>
-                      <m:t>=</m:t>
-                    </m:r>
-                    <m:f>
-                      <m:fPr>
-                        <m:ctrlPr>
-                          <a:rPr lang="en-US" altLang="zh-CN" b="0" i="1" smtClean="0">
-                            <a:latin typeface="Cambria Math" panose="02040503050406030204" pitchFamily="18" charset="0"/>
-                          </a:rPr>
-                        </m:ctrlPr>
-                      </m:fPr>
-                      <m:num>
-                        <m:r>
-                          <a:rPr lang="en-US" altLang="zh-CN" b="0" i="1" smtClean="0">
-                            <a:latin typeface="Cambria Math" panose="02040503050406030204" pitchFamily="18" charset="0"/>
-                          </a:rPr>
-                          <m:t>1</m:t>
-                        </m:r>
-                      </m:num>
-                      <m:den>
-                        <m:r>
-                          <a:rPr lang="en-US" altLang="zh-CN" b="0" i="1" smtClean="0">
-                            <a:latin typeface="Cambria Math" panose="02040503050406030204" pitchFamily="18" charset="0"/>
-                          </a:rPr>
-                          <m:t>3</m:t>
-                        </m:r>
-                        <m:r>
-                          <a:rPr lang="en-US" altLang="zh-CN" b="0" i="1" smtClean="0">
-                            <a:latin typeface="Cambria Math" panose="02040503050406030204" pitchFamily="18" charset="0"/>
-                          </a:rPr>
-                          <m:t>𝑛</m:t>
-                        </m:r>
-                      </m:den>
-                    </m:f>
-                    <m:r>
-                      <a:rPr lang="en-US" altLang="zh-CN" b="0" i="1" smtClean="0">
-                        <a:latin typeface="Cambria Math" panose="02040503050406030204" pitchFamily="18" charset="0"/>
-                      </a:rPr>
-                      <m:t>=0.003</m:t>
-                    </m:r>
-                  </m:oMath>
-                </a14:m>
-                <a:endParaRPr lang="en-US" altLang="zh-CN" dirty="0"/>
-              </a:p>
-              <a:p>
-                <a:endParaRPr lang="zh-CN" altLang="en-US" dirty="0"/>
-              </a:p>
-            </p:txBody>
-          </p:sp>
-        </mc:Choice>
-        <mc:Fallback xmlns="">
-          <p:sp>
-            <p:nvSpPr>
-              <p:cNvPr id="3" name="内容占位符 2">
-                <a:extLst>
-                  <a:ext uri="{FF2B5EF4-FFF2-40B4-BE49-F238E27FC236}">
-                    <a16:creationId xmlns:a16="http://schemas.microsoft.com/office/drawing/2014/main" id="{BF576447-98DF-4D00-A293-D566564438D8}"/>
-                  </a:ext>
-                </a:extLst>
-              </p:cNvPr>
-              <p:cNvSpPr>
-                <a:spLocks noGrp="1" noRot="1" noChangeAspect="1" noMove="1" noResize="1" noEditPoints="1" noAdjustHandles="1" noChangeArrowheads="1" noChangeShapeType="1" noTextEdit="1"/>
-              </p:cNvSpPr>
-              <p:nvPr>
-                <p:ph idx="1"/>
-              </p:nvPr>
-            </p:nvSpPr>
-            <p:spPr>
-              <a:blipFill>
-                <a:blip r:embed="rId2"/>
-                <a:stretch>
-                  <a:fillRect l="-1586" t="-1522"/>
-                </a:stretch>
-              </a:blipFill>
-            </p:spPr>
-            <p:txBody>
-              <a:bodyPr/>
-              <a:lstStyle/>
-              <a:p>
-                <a:r>
-                  <a:rPr lang="zh-CN" altLang="en-US">
-                    <a:noFill/>
-                  </a:rPr>
-                  <a:t> </a:t>
-                </a:r>
-              </a:p>
-            </p:txBody>
-          </p:sp>
-        </mc:Fallback>
-      </mc:AlternateContent>
       <p:pic>
         <p:nvPicPr>
-          <p:cNvPr id="2050" name="Picture 2" descr="NewImage">
-            <a:extLst>
-              <a:ext uri="{FF2B5EF4-FFF2-40B4-BE49-F238E27FC236}">
-                <a16:creationId xmlns:a16="http://schemas.microsoft.com/office/drawing/2014/main" id="{5EBD3D6A-18B6-4413-B469-BF6161BEE04A}"/>
-              </a:ext>
-            </a:extLst>
-          </p:cNvPr>
+          <p:cNvPr id="1026" name="Picture 2" descr="Probability density plots of Laplace distributions"/>
           <p:cNvPicPr>
             <a:picLocks noChangeAspect="1" noChangeArrowheads="1"/>
           </p:cNvPicPr>
           <p:nvPr/>
         </p:nvPicPr>
         <p:blipFill>
-          <a:blip r:embed="rId3">
+          <a:blip r:embed="rId2" cstate="print">
             <a:extLst>
               <a:ext uri="{28A0092B-C50C-407E-A947-70E740481C1C}">
                 <a14:useLocalDpi xmlns:a14="http://schemas.microsoft.com/office/drawing/2010/main" val="0"/>
@@ -5993,8 +6369,8 @@
         </p:blipFill>
         <p:spPr bwMode="auto">
           <a:xfrm>
-            <a:off x="-30088" y="2636912"/>
-            <a:ext cx="5705475" cy="4076700"/>
+            <a:off x="4247456" y="-171400"/>
+            <a:ext cx="4896544" cy="3672408"/>
           </a:xfrm>
           <a:prstGeom prst="rect">
             <a:avLst/>
@@ -6011,257 +6387,34 @@
           </a:extLst>
         </p:spPr>
       </p:pic>
-      <mc:AlternateContent xmlns:mc="http://schemas.openxmlformats.org/markup-compatibility/2006" xmlns:a14="http://schemas.microsoft.com/office/drawing/2010/main">
-        <mc:Choice Requires="a14">
-          <p:sp>
-            <p:nvSpPr>
-              <p:cNvPr id="5" name="矩形 4">
-                <a:extLst>
-                  <a:ext uri="{FF2B5EF4-FFF2-40B4-BE49-F238E27FC236}">
-                    <a16:creationId xmlns:a16="http://schemas.microsoft.com/office/drawing/2014/main" id="{0589A31A-1363-4283-A25D-05EDB16D810D}"/>
-                  </a:ext>
-                </a:extLst>
-              </p:cNvPr>
-              <p:cNvSpPr/>
-              <p:nvPr/>
-            </p:nvSpPr>
-            <p:spPr>
-              <a:xfrm>
-                <a:off x="5324327" y="2924944"/>
-                <a:ext cx="3819673" cy="3416320"/>
-              </a:xfrm>
-              <a:prstGeom prst="rect">
-                <a:avLst/>
-              </a:prstGeom>
-            </p:spPr>
-            <p:txBody>
-              <a:bodyPr wrap="square">
-                <a:spAutoFit/>
-              </a:bodyPr>
-              <a:lstStyle/>
-              <a:p>
-                <a:r>
-                  <a:rPr lang="en-US" altLang="zh-CN" sz="2400" dirty="0"/>
-                  <a:t>The shaded </a:t>
-                </a:r>
-                <a:r>
-                  <a:rPr lang="en-US" altLang="zh-CN" sz="2400" dirty="0">
-                    <a:solidFill>
-                      <a:srgbClr val="00B050"/>
-                    </a:solidFill>
-                  </a:rPr>
-                  <a:t>green region </a:t>
-                </a:r>
-                <a:r>
-                  <a:rPr lang="en-US" altLang="zh-CN" sz="2400" dirty="0"/>
-                  <a:t>represents the chance that </a:t>
-                </a:r>
-                <a14:m>
-                  <m:oMath xmlns:m="http://schemas.openxmlformats.org/officeDocument/2006/math">
-                    <m:r>
-                      <a:rPr lang="en-US" altLang="zh-CN" sz="2400" i="1">
-                        <a:latin typeface="Cambria Math" panose="02040503050406030204" pitchFamily="18" charset="0"/>
-                      </a:rPr>
-                      <m:t>𝐴</m:t>
-                    </m:r>
-                    <m:d>
-                      <m:dPr>
-                        <m:ctrlPr>
-                          <a:rPr lang="en-US" altLang="zh-CN" sz="2400" i="1">
-                            <a:latin typeface="Cambria Math" panose="02040503050406030204" pitchFamily="18" charset="0"/>
-                          </a:rPr>
-                        </m:ctrlPr>
-                      </m:dPr>
-                      <m:e>
-                        <m:r>
-                          <a:rPr lang="en-US" altLang="zh-CN" sz="2400" i="1">
-                            <a:latin typeface="Cambria Math" panose="02040503050406030204" pitchFamily="18" charset="0"/>
-                          </a:rPr>
-                          <m:t>𝑆</m:t>
-                        </m:r>
-                      </m:e>
-                    </m:d>
-                    <m:r>
-                      <a:rPr lang="en-US" altLang="zh-CN" sz="2400" b="0" i="1" smtClean="0">
-                        <a:latin typeface="Cambria Math" panose="02040503050406030204" pitchFamily="18" charset="0"/>
-                      </a:rPr>
-                      <m:t>≥</m:t>
-                    </m:r>
-                    <m:r>
-                      <a:rPr lang="en-US" altLang="zh-CN" sz="2400" b="0" i="1" smtClean="0">
-                        <a:latin typeface="Cambria Math" panose="02040503050406030204" pitchFamily="18" charset="0"/>
-                      </a:rPr>
-                      <m:t>𝑇</m:t>
-                    </m:r>
-                  </m:oMath>
-                </a14:m>
-                <a:r>
-                  <a:rPr lang="en-US" altLang="zh-CN" sz="2400" dirty="0"/>
-                  <a:t>, the probability that the adversary will mistake </a:t>
-                </a:r>
-                <a14:m>
-                  <m:oMath xmlns:m="http://schemas.openxmlformats.org/officeDocument/2006/math">
-                    <m:r>
-                      <a:rPr lang="en-US" altLang="zh-CN" sz="2400" i="1">
-                        <a:latin typeface="Cambria Math" panose="02040503050406030204" pitchFamily="18" charset="0"/>
-                      </a:rPr>
-                      <m:t>𝑆</m:t>
-                    </m:r>
-                  </m:oMath>
-                </a14:m>
-                <a:r>
-                  <a:rPr lang="en-US" altLang="zh-CN" sz="2400" dirty="0"/>
-                  <a:t> for </a:t>
-                </a:r>
-                <a14:m>
-                  <m:oMath xmlns:m="http://schemas.openxmlformats.org/officeDocument/2006/math">
-                    <m:r>
-                      <a:rPr lang="en-US" altLang="zh-CN" sz="2400" i="1">
-                        <a:latin typeface="Cambria Math" panose="02040503050406030204" pitchFamily="18" charset="0"/>
-                      </a:rPr>
-                      <m:t>𝑆</m:t>
-                    </m:r>
-                    <m:r>
-                      <a:rPr lang="en-US" altLang="zh-CN" sz="2400" b="0" i="1" smtClean="0">
-                        <a:latin typeface="Cambria Math" panose="02040503050406030204" pitchFamily="18" charset="0"/>
-                      </a:rPr>
-                      <m:t>′</m:t>
-                    </m:r>
-                  </m:oMath>
-                </a14:m>
-                <a:r>
-                  <a:rPr lang="en-US" altLang="zh-CN" sz="2400" dirty="0"/>
-                  <a:t> in a round of the game. We’ve now made that probability non-zero, but it’s still very likely that if </a:t>
-                </a:r>
-                <a14:m>
-                  <m:oMath xmlns:m="http://schemas.openxmlformats.org/officeDocument/2006/math">
-                    <m:r>
-                      <a:rPr lang="en-US" altLang="zh-CN" sz="2400" i="1">
-                        <a:latin typeface="Cambria Math" panose="02040503050406030204" pitchFamily="18" charset="0"/>
-                      </a:rPr>
-                      <m:t>𝐴</m:t>
-                    </m:r>
-                    <m:d>
-                      <m:dPr>
-                        <m:ctrlPr>
-                          <a:rPr lang="en-US" altLang="zh-CN" sz="2400" i="1">
-                            <a:latin typeface="Cambria Math" panose="02040503050406030204" pitchFamily="18" charset="0"/>
-                          </a:rPr>
-                        </m:ctrlPr>
-                      </m:dPr>
-                      <m:e>
-                        <m:r>
-                          <a:rPr lang="en-US" altLang="zh-CN" sz="2400" b="0" i="1" smtClean="0">
-                            <a:latin typeface="Cambria Math" panose="02040503050406030204" pitchFamily="18" charset="0"/>
-                          </a:rPr>
-                          <m:t>𝑠</m:t>
-                        </m:r>
-                      </m:e>
-                    </m:d>
-                    <m:r>
-                      <a:rPr lang="en-US" altLang="zh-CN" sz="2400" i="1">
-                        <a:latin typeface="Cambria Math" panose="02040503050406030204" pitchFamily="18" charset="0"/>
-                      </a:rPr>
-                      <m:t>≥</m:t>
-                    </m:r>
-                    <m:r>
-                      <a:rPr lang="en-US" altLang="zh-CN" sz="2400" i="1">
-                        <a:latin typeface="Cambria Math" panose="02040503050406030204" pitchFamily="18" charset="0"/>
-                      </a:rPr>
-                      <m:t>𝑇</m:t>
-                    </m:r>
-                  </m:oMath>
-                </a14:m>
-                <a:r>
-                  <a:rPr lang="en-US" altLang="zh-CN" sz="2400" dirty="0"/>
-                  <a:t>, then </a:t>
-                </a:r>
-                <a14:m>
-                  <m:oMath xmlns:m="http://schemas.openxmlformats.org/officeDocument/2006/math">
-                    <m:r>
-                      <a:rPr lang="en-US" altLang="zh-CN" sz="2400" b="0" i="1" smtClean="0">
-                        <a:latin typeface="Cambria Math" panose="02040503050406030204" pitchFamily="18" charset="0"/>
-                      </a:rPr>
-                      <m:t>𝑠</m:t>
-                    </m:r>
-                    <m:r>
-                      <a:rPr lang="en-US" altLang="zh-CN" sz="2400" b="0" i="1" smtClean="0">
-                        <a:latin typeface="Cambria Math" panose="02040503050406030204" pitchFamily="18" charset="0"/>
-                      </a:rPr>
-                      <m:t>=</m:t>
-                    </m:r>
-                    <m:r>
-                      <a:rPr lang="en-US" altLang="zh-CN" sz="2400" b="0" i="1" smtClean="0">
-                        <a:latin typeface="Cambria Math" panose="02040503050406030204" pitchFamily="18" charset="0"/>
-                      </a:rPr>
-                      <m:t>𝑆</m:t>
-                    </m:r>
-                    <m:r>
-                      <a:rPr lang="en-US" altLang="zh-CN" sz="2400" b="0" i="1" smtClean="0">
-                        <a:latin typeface="Cambria Math" panose="02040503050406030204" pitchFamily="18" charset="0"/>
-                      </a:rPr>
-                      <m:t>′</m:t>
-                    </m:r>
-                  </m:oMath>
-                </a14:m>
-                <a:r>
-                  <a:rPr lang="en-US" altLang="zh-CN" sz="2400" dirty="0"/>
-                  <a:t>.</a:t>
-                </a:r>
-                <a:endParaRPr lang="zh-CN" altLang="en-US" sz="3200" dirty="0"/>
-              </a:p>
-            </p:txBody>
-          </p:sp>
-        </mc:Choice>
-        <mc:Fallback xmlns="">
-          <p:sp>
-            <p:nvSpPr>
-              <p:cNvPr id="5" name="矩形 4">
-                <a:extLst>
-                  <a:ext uri="{FF2B5EF4-FFF2-40B4-BE49-F238E27FC236}">
-                    <a16:creationId xmlns:a16="http://schemas.microsoft.com/office/drawing/2014/main" id="{0589A31A-1363-4283-A25D-05EDB16D810D}"/>
-                  </a:ext>
-                </a:extLst>
-              </p:cNvPr>
-              <p:cNvSpPr>
-                <a:spLocks noRot="1" noChangeAspect="1" noMove="1" noResize="1" noEditPoints="1" noAdjustHandles="1" noChangeArrowheads="1" noChangeShapeType="1" noTextEdit="1"/>
-              </p:cNvSpPr>
-              <p:nvPr/>
-            </p:nvSpPr>
-            <p:spPr>
-              <a:xfrm>
-                <a:off x="5324327" y="2924944"/>
-                <a:ext cx="3819673" cy="3416320"/>
-              </a:xfrm>
-              <a:prstGeom prst="rect">
-                <a:avLst/>
-              </a:prstGeom>
-              <a:blipFill>
-                <a:blip r:embed="rId4"/>
-                <a:stretch>
-                  <a:fillRect l="-2392" t="-1429" r="-2552" b="-3214"/>
-                </a:stretch>
-              </a:blipFill>
-            </p:spPr>
-            <p:txBody>
-              <a:bodyPr/>
-              <a:lstStyle/>
-              <a:p>
-                <a:r>
-                  <a:rPr lang="zh-CN" altLang="en-US">
-                    <a:noFill/>
-                  </a:rPr>
-                  <a:t> </a:t>
-                </a:r>
-              </a:p>
-            </p:txBody>
-          </p:sp>
-        </mc:Fallback>
-      </mc:AlternateContent>
+      <p:pic>
+        <p:nvPicPr>
+          <p:cNvPr id="6" name="Picture 5"/>
+          <p:cNvPicPr>
+            <a:picLocks noChangeAspect="1"/>
+          </p:cNvPicPr>
+          <p:nvPr/>
+        </p:nvPicPr>
+        <p:blipFill>
+          <a:blip r:embed="rId3"/>
+          <a:stretch>
+            <a:fillRect/>
+          </a:stretch>
+        </p:blipFill>
+        <p:spPr>
+          <a:xfrm>
+            <a:off x="1259633" y="3423540"/>
+            <a:ext cx="7731968" cy="3377710"/>
+          </a:xfrm>
+          <a:prstGeom prst="rect">
+            <a:avLst/>
+          </a:prstGeom>
+        </p:spPr>
+      </p:pic>
     </p:spTree>
     <p:extLst>
       <p:ext uri="{BB962C8B-B14F-4D97-AF65-F5344CB8AC3E}">
-        <p14:creationId xmlns:p14="http://schemas.microsoft.com/office/powerpoint/2010/main" val="231026516"/>
+        <p14:creationId xmlns:p14="http://schemas.microsoft.com/office/powerpoint/2010/main" val="4024462225"/>
       </p:ext>
     </p:extLst>
   </p:cSld>

--- a/AdvOS/PPT+papers/Gu-DiffPriv.pptx
+++ b/AdvOS/PPT+papers/Gu-DiffPriv.pptx
@@ -2090,6 +2090,13 @@
   <p:clrMapOvr>
     <a:masterClrMapping/>
   </p:clrMapOvr>
+  <p:timing>
+    <p:tnLst>
+      <p:par>
+        <p:cTn id="1" dur="indefinite" restart="never" nodeType="tmRoot"/>
+      </p:par>
+    </p:tnLst>
+  </p:timing>
 </p:sld>
 </file>
 
@@ -2144,8 +2151,8 @@
           </a:p>
         </p:txBody>
       </p:sp>
-      <mc:AlternateContent xmlns:mc="http://schemas.openxmlformats.org/markup-compatibility/2006">
-        <mc:Choice xmlns:a14="http://schemas.microsoft.com/office/drawing/2010/main" Requires="a14">
+      <mc:AlternateContent xmlns:mc="http://schemas.openxmlformats.org/markup-compatibility/2006" xmlns:a14="http://schemas.microsoft.com/office/drawing/2010/main">
+        <mc:Choice Requires="a14">
           <p:sp>
             <p:nvSpPr>
               <p:cNvPr id="3" name="内容占位符 2">
@@ -2240,7 +2247,7 @@
             </p:txBody>
           </p:sp>
         </mc:Choice>
-        <mc:Fallback>
+        <mc:Fallback xmlns="">
           <p:sp>
             <p:nvSpPr>
               <p:cNvPr id="3" name="内容占位符 2">
@@ -2574,6 +2581,36 @@
           </p:sp>
         </mc:Fallback>
       </mc:AlternateContent>
+      <p:sp>
+        <p:nvSpPr>
+          <p:cNvPr id="4" name="TextBox 3"/>
+          <p:cNvSpPr txBox="1"/>
+          <p:nvPr/>
+        </p:nvSpPr>
+        <p:spPr>
+          <a:xfrm>
+            <a:off x="2822649" y="6203134"/>
+            <a:ext cx="309700" cy="400110"/>
+          </a:xfrm>
+          <a:prstGeom prst="rect">
+            <a:avLst/>
+          </a:prstGeom>
+          <a:noFill/>
+        </p:spPr>
+        <p:txBody>
+          <a:bodyPr wrap="none" rtlCol="0">
+            <a:spAutoFit/>
+          </a:bodyPr>
+          <a:lstStyle/>
+          <a:p>
+            <a:r>
+              <a:rPr lang="en-US" sz="2000" dirty="0" smtClean="0"/>
+              <a:t>T</a:t>
+            </a:r>
+            <a:endParaRPr lang="en-US" sz="2000" dirty="0"/>
+          </a:p>
+        </p:txBody>
+      </p:sp>
     </p:spTree>
     <p:extLst>
       <p:ext uri="{BB962C8B-B14F-4D97-AF65-F5344CB8AC3E}">
@@ -2584,6 +2621,13 @@
   <p:clrMapOvr>
     <a:masterClrMapping/>
   </p:clrMapOvr>
+  <p:timing>
+    <p:tnLst>
+      <p:par>
+        <p:cTn id="1" dur="indefinite" restart="never" nodeType="tmRoot"/>
+      </p:par>
+    </p:tnLst>
+  </p:timing>
 </p:sld>
 </file>
 
@@ -2871,8 +2915,8 @@
           </a:extLst>
         </p:spPr>
       </p:pic>
-      <mc:AlternateContent xmlns:mc="http://schemas.openxmlformats.org/markup-compatibility/2006" xmlns:a14="http://schemas.microsoft.com/office/drawing/2010/main">
-        <mc:Choice Requires="a14">
+      <mc:AlternateContent xmlns:mc="http://schemas.openxmlformats.org/markup-compatibility/2006">
+        <mc:Choice xmlns:a14="http://schemas.microsoft.com/office/drawing/2010/main" Requires="a14">
           <p:sp>
             <p:nvSpPr>
               <p:cNvPr id="5" name="矩形 4">
@@ -2936,10 +2980,13 @@
                       </m:dPr>
                       <m:e>
                         <m:r>
+                          <m:rPr>
+                            <m:sty m:val="p"/>
+                          </m:rPr>
                           <a:rPr lang="en-US" altLang="zh-CN" sz="2400" i="1">
                             <a:latin typeface="Cambria Math" panose="02040503050406030204" pitchFamily="18" charset="0"/>
                           </a:rPr>
-                          <m:t>𝑆</m:t>
+                          <m:t>s</m:t>
                         </m:r>
                       </m:e>
                     </m:d>
@@ -3009,7 +3056,7 @@
             </p:txBody>
           </p:sp>
         </mc:Choice>
-        <mc:Fallback xmlns="">
+        <mc:Fallback>
           <p:sp>
             <p:nvSpPr>
               <p:cNvPr id="5" name="矩形 4">
@@ -3044,7 +3091,7 @@
               <a:lstStyle/>
               <a:p>
                 <a:r>
-                  <a:rPr lang="zh-CN" altLang="en-US">
+                  <a:rPr lang="en-US">
                     <a:noFill/>
                   </a:rPr>
                   <a:t> </a:t>
@@ -3054,6 +3101,36 @@
           </p:sp>
         </mc:Fallback>
       </mc:AlternateContent>
+      <p:sp>
+        <p:nvSpPr>
+          <p:cNvPr id="6" name="TextBox 5"/>
+          <p:cNvSpPr txBox="1"/>
+          <p:nvPr/>
+        </p:nvSpPr>
+        <p:spPr>
+          <a:xfrm>
+            <a:off x="2822649" y="6203134"/>
+            <a:ext cx="309700" cy="400110"/>
+          </a:xfrm>
+          <a:prstGeom prst="rect">
+            <a:avLst/>
+          </a:prstGeom>
+          <a:noFill/>
+        </p:spPr>
+        <p:txBody>
+          <a:bodyPr wrap="none" rtlCol="0">
+            <a:spAutoFit/>
+          </a:bodyPr>
+          <a:lstStyle/>
+          <a:p>
+            <a:r>
+              <a:rPr lang="en-US" sz="2000" dirty="0" smtClean="0"/>
+              <a:t>T</a:t>
+            </a:r>
+            <a:endParaRPr lang="en-US" sz="2000" dirty="0"/>
+          </a:p>
+        </p:txBody>
+      </p:sp>
     </p:spTree>
     <p:extLst>
       <p:ext uri="{BB962C8B-B14F-4D97-AF65-F5344CB8AC3E}">
@@ -3064,6 +3141,13 @@
   <p:clrMapOvr>
     <a:masterClrMapping/>
   </p:clrMapOvr>
+  <p:timing>
+    <p:tnLst>
+      <p:par>
+        <p:cTn id="1" dur="indefinite" restart="never" nodeType="tmRoot"/>
+      </p:par>
+    </p:tnLst>
+  </p:timing>
 </p:sld>
 </file>
 
@@ -3263,6 +3347,13 @@
   <p:clrMapOvr>
     <a:masterClrMapping/>
   </p:clrMapOvr>
+  <p:timing>
+    <p:tnLst>
+      <p:par>
+        <p:cTn id="1" dur="indefinite" restart="never" nodeType="tmRoot"/>
+      </p:par>
+    </p:tnLst>
+  </p:timing>
 </p:sld>
 </file>
 
@@ -3917,6 +4008,13 @@
   <p:clrMapOvr>
     <a:masterClrMapping/>
   </p:clrMapOvr>
+  <p:timing>
+    <p:tnLst>
+      <p:par>
+        <p:cTn id="1" dur="indefinite" restart="never" nodeType="tmRoot"/>
+      </p:par>
+    </p:tnLst>
+  </p:timing>
 </p:sld>
 </file>
 
@@ -4097,6 +4195,13 @@
   <p:clrMapOvr>
     <a:masterClrMapping/>
   </p:clrMapOvr>
+  <p:timing>
+    <p:tnLst>
+      <p:par>
+        <p:cTn id="1" dur="indefinite" restart="never" nodeType="tmRoot"/>
+      </p:par>
+    </p:tnLst>
+  </p:timing>
 </p:sld>
 </file>
 
@@ -4338,6 +4443,13 @@
   <p:clrMapOvr>
     <a:masterClrMapping/>
   </p:clrMapOvr>
+  <p:timing>
+    <p:tnLst>
+      <p:par>
+        <p:cTn id="1" dur="indefinite" restart="never" nodeType="tmRoot"/>
+      </p:par>
+    </p:tnLst>
+  </p:timing>
 </p:sld>
 </file>
 
@@ -5001,6 +5113,13 @@
   <p:clrMapOvr>
     <a:masterClrMapping/>
   </p:clrMapOvr>
+  <p:timing>
+    <p:tnLst>
+      <p:par>
+        <p:cTn id="1" dur="indefinite" restart="never" nodeType="tmRoot"/>
+      </p:par>
+    </p:tnLst>
+  </p:timing>
 </p:sld>
 </file>
 
@@ -5614,6 +5733,13 @@
   <p:clrMapOvr>
     <a:masterClrMapping/>
   </p:clrMapOvr>
+  <p:timing>
+    <p:tnLst>
+      <p:par>
+        <p:cTn id="1" dur="indefinite" restart="never" nodeType="tmRoot"/>
+      </p:par>
+    </p:tnLst>
+  </p:timing>
 </p:sld>
 </file>
 
@@ -6277,6 +6403,13 @@
   <p:clrMapOvr>
     <a:masterClrMapping/>
   </p:clrMapOvr>
+  <p:timing>
+    <p:tnLst>
+      <p:par>
+        <p:cTn id="1" dur="indefinite" restart="never" nodeType="tmRoot"/>
+      </p:par>
+    </p:tnLst>
+  </p:timing>
 </p:sld>
 </file>
 
@@ -6421,6 +6554,13 @@
   <p:clrMapOvr>
     <a:masterClrMapping/>
   </p:clrMapOvr>
+  <p:timing>
+    <p:tnLst>
+      <p:par>
+        <p:cTn id="1" dur="indefinite" restart="never" nodeType="tmRoot"/>
+      </p:par>
+    </p:tnLst>
+  </p:timing>
 </p:sld>
 </file>
 

--- a/AdvOS/PPT+papers/Gu-DiffPriv.pptx
+++ b/AdvOS/PPT+papers/Gu-DiffPriv.pptx
@@ -225,7 +225,7 @@
             <a:fld id="{7C0CEB4B-0D62-444C-A05C-70565453F06B}" type="datetimeFigureOut">
               <a:rPr lang="en-US" smtClean="0"/>
               <a:pPr/>
-              <a:t>6/10/2020</a:t>
+              <a:t>6/12/2020</a:t>
             </a:fld>
             <a:endParaRPr lang="en-US"/>
           </a:p>
@@ -638,6 +638,91 @@
             <a:fld id="{9759C4A7-EF62-4E76-99C8-FC7A8F377225}" type="slidenum">
               <a:rPr lang="en-US" smtClean="0"/>
               <a:pPr/>
+              <a:t>15</a:t>
+            </a:fld>
+            <a:endParaRPr lang="en-US"/>
+          </a:p>
+        </p:txBody>
+      </p:sp>
+    </p:spTree>
+    <p:extLst>
+      <p:ext uri="{BB962C8B-B14F-4D97-AF65-F5344CB8AC3E}">
+        <p14:creationId xmlns:p14="http://schemas.microsoft.com/office/powerpoint/2010/main" val="3351927847"/>
+      </p:ext>
+    </p:extLst>
+  </p:cSld>
+  <p:clrMapOvr>
+    <a:masterClrMapping/>
+  </p:clrMapOvr>
+</p:notes>
+</file>
+
+<file path=ppt/notesSlides/notesSlide11.xml><?xml version="1.0" encoding="utf-8"?>
+<p:notes xmlns:a="http://schemas.openxmlformats.org/drawingml/2006/main" xmlns:r="http://schemas.openxmlformats.org/officeDocument/2006/relationships" xmlns:p="http://schemas.openxmlformats.org/presentationml/2006/main">
+  <p:cSld>
+    <p:spTree>
+      <p:nvGrpSpPr>
+        <p:cNvPr id="1" name=""/>
+        <p:cNvGrpSpPr/>
+        <p:nvPr/>
+      </p:nvGrpSpPr>
+      <p:grpSpPr>
+        <a:xfrm>
+          <a:off x="0" y="0"/>
+          <a:ext cx="0" cy="0"/>
+          <a:chOff x="0" y="0"/>
+          <a:chExt cx="0" cy="0"/>
+        </a:xfrm>
+      </p:grpSpPr>
+      <p:sp>
+        <p:nvSpPr>
+          <p:cNvPr id="2" name="幻灯片图像占位符 1"/>
+          <p:cNvSpPr>
+            <a:spLocks noGrp="1" noRot="1" noChangeAspect="1"/>
+          </p:cNvSpPr>
+          <p:nvPr>
+            <p:ph type="sldImg"/>
+          </p:nvPr>
+        </p:nvSpPr>
+        <p:spPr/>
+      </p:sp>
+      <p:sp>
+        <p:nvSpPr>
+          <p:cNvPr id="3" name="备注占位符 2"/>
+          <p:cNvSpPr>
+            <a:spLocks noGrp="1"/>
+          </p:cNvSpPr>
+          <p:nvPr>
+            <p:ph type="body" idx="1"/>
+          </p:nvPr>
+        </p:nvSpPr>
+        <p:spPr/>
+        <p:txBody>
+          <a:bodyPr/>
+          <a:lstStyle/>
+          <a:p>
+            <a:endParaRPr lang="zh-CN" altLang="en-US" dirty="0"/>
+          </a:p>
+        </p:txBody>
+      </p:sp>
+      <p:sp>
+        <p:nvSpPr>
+          <p:cNvPr id="4" name="灯片编号占位符 3"/>
+          <p:cNvSpPr>
+            <a:spLocks noGrp="1"/>
+          </p:cNvSpPr>
+          <p:nvPr>
+            <p:ph type="sldNum" sz="quarter" idx="5"/>
+          </p:nvPr>
+        </p:nvSpPr>
+        <p:spPr/>
+        <p:txBody>
+          <a:bodyPr/>
+          <a:lstStyle/>
+          <a:p>
+            <a:fld id="{9759C4A7-EF62-4E76-99C8-FC7A8F377225}" type="slidenum">
+              <a:rPr lang="en-US" smtClean="0"/>
+              <a:pPr/>
               <a:t>17</a:t>
             </a:fld>
             <a:endParaRPr lang="en-US"/>
@@ -1665,6 +1750,99 @@
           <a:lstStyle/>
           <a:p>
             <a:r>
+              <a:rPr lang="en-US" dirty="0" smtClean="0"/>
+              <a:t>I</a:t>
+            </a:r>
+            <a:r>
+              <a:rPr lang="en-SE" dirty="0" smtClean="0"/>
+              <a:t>f 80:10:10, then .9/.1=9</a:t>
+            </a:r>
+            <a:endParaRPr lang="en-US" dirty="0"/>
+          </a:p>
+        </p:txBody>
+      </p:sp>
+      <p:sp>
+        <p:nvSpPr>
+          <p:cNvPr id="4" name="Slide Number Placeholder 3"/>
+          <p:cNvSpPr>
+            <a:spLocks noGrp="1"/>
+          </p:cNvSpPr>
+          <p:nvPr>
+            <p:ph type="sldNum" sz="quarter" idx="10"/>
+          </p:nvPr>
+        </p:nvSpPr>
+        <p:spPr/>
+        <p:txBody>
+          <a:bodyPr/>
+          <a:lstStyle/>
+          <a:p>
+            <a:fld id="{9759C4A7-EF62-4E76-99C8-FC7A8F377225}" type="slidenum">
+              <a:rPr lang="en-US" smtClean="0"/>
+              <a:pPr/>
+              <a:t>5</a:t>
+            </a:fld>
+            <a:endParaRPr lang="en-US"/>
+          </a:p>
+        </p:txBody>
+      </p:sp>
+    </p:spTree>
+    <p:extLst>
+      <p:ext uri="{BB962C8B-B14F-4D97-AF65-F5344CB8AC3E}">
+        <p14:creationId xmlns:p14="http://schemas.microsoft.com/office/powerpoint/2010/main" val="3639704328"/>
+      </p:ext>
+    </p:extLst>
+  </p:cSld>
+  <p:clrMapOvr>
+    <a:masterClrMapping/>
+  </p:clrMapOvr>
+</p:notes>
+</file>
+
+<file path=ppt/notesSlides/notesSlide4.xml><?xml version="1.0" encoding="utf-8"?>
+<p:notes xmlns:a="http://schemas.openxmlformats.org/drawingml/2006/main" xmlns:r="http://schemas.openxmlformats.org/officeDocument/2006/relationships" xmlns:p="http://schemas.openxmlformats.org/presentationml/2006/main">
+  <p:cSld>
+    <p:spTree>
+      <p:nvGrpSpPr>
+        <p:cNvPr id="1" name=""/>
+        <p:cNvGrpSpPr/>
+        <p:nvPr/>
+      </p:nvGrpSpPr>
+      <p:grpSpPr>
+        <a:xfrm>
+          <a:off x="0" y="0"/>
+          <a:ext cx="0" cy="0"/>
+          <a:chOff x="0" y="0"/>
+          <a:chExt cx="0" cy="0"/>
+        </a:xfrm>
+      </p:grpSpPr>
+      <p:sp>
+        <p:nvSpPr>
+          <p:cNvPr id="2" name="Slide Image Placeholder 1"/>
+          <p:cNvSpPr>
+            <a:spLocks noGrp="1" noRot="1" noChangeAspect="1"/>
+          </p:cNvSpPr>
+          <p:nvPr>
+            <p:ph type="sldImg"/>
+          </p:nvPr>
+        </p:nvSpPr>
+        <p:spPr/>
+      </p:sp>
+      <p:sp>
+        <p:nvSpPr>
+          <p:cNvPr id="3" name="Notes Placeholder 2"/>
+          <p:cNvSpPr>
+            <a:spLocks noGrp="1"/>
+          </p:cNvSpPr>
+          <p:nvPr>
+            <p:ph type="body" idx="1"/>
+          </p:nvPr>
+        </p:nvSpPr>
+        <p:spPr/>
+        <p:txBody>
+          <a:bodyPr/>
+          <a:lstStyle/>
+          <a:p>
+            <a:r>
               <a:rPr lang="en-GB" dirty="0" smtClean="0"/>
               <a:t>sensitivity is 1/|</a:t>
             </a:r>
@@ -1758,7 +1936,7 @@
 </p:notes>
 </file>
 
-<file path=ppt/notesSlides/notesSlide4.xml><?xml version="1.0" encoding="utf-8"?>
+<file path=ppt/notesSlides/notesSlide5.xml><?xml version="1.0" encoding="utf-8"?>
 <p:notes xmlns:a="http://schemas.openxmlformats.org/drawingml/2006/main" xmlns:r="http://schemas.openxmlformats.org/officeDocument/2006/relationships" xmlns:p="http://schemas.openxmlformats.org/presentationml/2006/main">
   <p:cSld>
     <p:spTree>
@@ -1968,7 +2146,7 @@
 </p:notes>
 </file>
 
-<file path=ppt/notesSlides/notesSlide5.xml><?xml version="1.0" encoding="utf-8"?>
+<file path=ppt/notesSlides/notesSlide6.xml><?xml version="1.0" encoding="utf-8"?>
 <p:notes xmlns:a="http://schemas.openxmlformats.org/drawingml/2006/main" xmlns:r="http://schemas.openxmlformats.org/officeDocument/2006/relationships" xmlns:p="http://schemas.openxmlformats.org/presentationml/2006/main">
   <p:cSld>
     <p:spTree>
@@ -2077,7 +2255,7 @@
 </p:notes>
 </file>
 
-<file path=ppt/notesSlides/notesSlide6.xml><?xml version="1.0" encoding="utf-8"?>
+<file path=ppt/notesSlides/notesSlide7.xml><?xml version="1.0" encoding="utf-8"?>
 <p:notes xmlns:a="http://schemas.openxmlformats.org/drawingml/2006/main" xmlns:r="http://schemas.openxmlformats.org/officeDocument/2006/relationships" xmlns:p="http://schemas.openxmlformats.org/presentationml/2006/main">
   <p:cSld>
     <p:spTree>
@@ -2184,7 +2362,7 @@
 </p:notes>
 </file>
 
-<file path=ppt/notesSlides/notesSlide7.xml><?xml version="1.0" encoding="utf-8"?>
+<file path=ppt/notesSlides/notesSlide8.xml><?xml version="1.0" encoding="utf-8"?>
 <p:notes xmlns:a="http://schemas.openxmlformats.org/drawingml/2006/main" xmlns:r="http://schemas.openxmlformats.org/officeDocument/2006/relationships" xmlns:p="http://schemas.openxmlformats.org/presentationml/2006/main">
   <p:cSld>
     <p:spTree>
@@ -2281,7 +2459,7 @@
 </p:notes>
 </file>
 
-<file path=ppt/notesSlides/notesSlide8.xml><?xml version="1.0" encoding="utf-8"?>
+<file path=ppt/notesSlides/notesSlide9.xml><?xml version="1.0" encoding="utf-8"?>
 <p:notes xmlns:a="http://schemas.openxmlformats.org/drawingml/2006/main" xmlns:r="http://schemas.openxmlformats.org/officeDocument/2006/relationships" xmlns:p="http://schemas.openxmlformats.org/presentationml/2006/main">
   <p:cSld>
     <p:spTree>
@@ -2361,91 +2539,6 @@
     <p:extLst>
       <p:ext uri="{BB962C8B-B14F-4D97-AF65-F5344CB8AC3E}">
         <p14:creationId xmlns:p14="http://schemas.microsoft.com/office/powerpoint/2010/main" val="313387588"/>
-      </p:ext>
-    </p:extLst>
-  </p:cSld>
-  <p:clrMapOvr>
-    <a:masterClrMapping/>
-  </p:clrMapOvr>
-</p:notes>
-</file>
-
-<file path=ppt/notesSlides/notesSlide9.xml><?xml version="1.0" encoding="utf-8"?>
-<p:notes xmlns:a="http://schemas.openxmlformats.org/drawingml/2006/main" xmlns:r="http://schemas.openxmlformats.org/officeDocument/2006/relationships" xmlns:p="http://schemas.openxmlformats.org/presentationml/2006/main">
-  <p:cSld>
-    <p:spTree>
-      <p:nvGrpSpPr>
-        <p:cNvPr id="1" name=""/>
-        <p:cNvGrpSpPr/>
-        <p:nvPr/>
-      </p:nvGrpSpPr>
-      <p:grpSpPr>
-        <a:xfrm>
-          <a:off x="0" y="0"/>
-          <a:ext cx="0" cy="0"/>
-          <a:chOff x="0" y="0"/>
-          <a:chExt cx="0" cy="0"/>
-        </a:xfrm>
-      </p:grpSpPr>
-      <p:sp>
-        <p:nvSpPr>
-          <p:cNvPr id="2" name="幻灯片图像占位符 1"/>
-          <p:cNvSpPr>
-            <a:spLocks noGrp="1" noRot="1" noChangeAspect="1"/>
-          </p:cNvSpPr>
-          <p:nvPr>
-            <p:ph type="sldImg"/>
-          </p:nvPr>
-        </p:nvSpPr>
-        <p:spPr/>
-      </p:sp>
-      <p:sp>
-        <p:nvSpPr>
-          <p:cNvPr id="3" name="备注占位符 2"/>
-          <p:cNvSpPr>
-            <a:spLocks noGrp="1"/>
-          </p:cNvSpPr>
-          <p:nvPr>
-            <p:ph type="body" idx="1"/>
-          </p:nvPr>
-        </p:nvSpPr>
-        <p:spPr/>
-        <p:txBody>
-          <a:bodyPr/>
-          <a:lstStyle/>
-          <a:p>
-            <a:endParaRPr lang="zh-CN" altLang="en-US" dirty="0"/>
-          </a:p>
-        </p:txBody>
-      </p:sp>
-      <p:sp>
-        <p:nvSpPr>
-          <p:cNvPr id="4" name="灯片编号占位符 3"/>
-          <p:cNvSpPr>
-            <a:spLocks noGrp="1"/>
-          </p:cNvSpPr>
-          <p:nvPr>
-            <p:ph type="sldNum" sz="quarter" idx="5"/>
-          </p:nvPr>
-        </p:nvSpPr>
-        <p:spPr/>
-        <p:txBody>
-          <a:bodyPr/>
-          <a:lstStyle/>
-          <a:p>
-            <a:fld id="{9759C4A7-EF62-4E76-99C8-FC7A8F377225}" type="slidenum">
-              <a:rPr lang="en-US" smtClean="0"/>
-              <a:pPr/>
-              <a:t>15</a:t>
-            </a:fld>
-            <a:endParaRPr lang="en-US"/>
-          </a:p>
-        </p:txBody>
-      </p:sp>
-    </p:spTree>
-    <p:extLst>
-      <p:ext uri="{BB962C8B-B14F-4D97-AF65-F5344CB8AC3E}">
-        <p14:creationId xmlns:p14="http://schemas.microsoft.com/office/powerpoint/2010/main" val="3351927847"/>
       </p:ext>
     </p:extLst>
   </p:cSld>
@@ -2637,7 +2730,7 @@
             <a:fld id="{CE1938E7-FCD4-418C-87D0-DD707A52F1FF}" type="datetimeFigureOut">
               <a:rPr lang="en-US" smtClean="0"/>
               <a:pPr/>
-              <a:t>6/10/2020</a:t>
+              <a:t>6/12/2020</a:t>
             </a:fld>
             <a:endParaRPr lang="en-US"/>
           </a:p>
@@ -3203,7 +3296,7 @@
             <a:fld id="{CE1938E7-FCD4-418C-87D0-DD707A52F1FF}" type="datetimeFigureOut">
               <a:rPr lang="en-US" smtClean="0"/>
               <a:pPr/>
-              <a:t>6/10/2020</a:t>
+              <a:t>6/12/2020</a:t>
             </a:fld>
             <a:endParaRPr lang="en-US"/>
           </a:p>
@@ -5612,7 +5705,16 @@
                           <a:rPr lang="en-US" altLang="zh-CN">
                             <a:latin typeface="Cambria Math" panose="02040503050406030204" pitchFamily="18" charset="0"/>
                           </a:rPr>
-                          <m:t>log</m:t>
+                          <m:t>l</m:t>
+                        </m:r>
+                        <m:r>
+                          <m:rPr>
+                            <m:sty m:val="p"/>
+                          </m:rPr>
+                          <a:rPr lang="en-SE" altLang="zh-CN" b="0" i="0" smtClean="0">
+                            <a:latin typeface="Cambria Math" panose="02040503050406030204" pitchFamily="18" charset="0"/>
+                          </a:rPr>
+                          <m:t>n</m:t>
                         </m:r>
                       </m:fName>
                       <m:e>
@@ -10204,7 +10306,16 @@
                           <a:rPr lang="en-US" altLang="zh-CN">
                             <a:latin typeface="Cambria Math" panose="02040503050406030204" pitchFamily="18" charset="0"/>
                           </a:rPr>
-                          <m:t>log</m:t>
+                          <m:t>l</m:t>
+                        </m:r>
+                        <m:r>
+                          <m:rPr>
+                            <m:sty m:val="p"/>
+                          </m:rPr>
+                          <a:rPr lang="en-SE" altLang="zh-CN" b="0" i="0" smtClean="0">
+                            <a:latin typeface="Cambria Math" panose="02040503050406030204" pitchFamily="18" charset="0"/>
+                          </a:rPr>
+                          <m:t>n</m:t>
                         </m:r>
                       </m:fName>
                       <m:e>
@@ -10721,8 +10832,8 @@
           </a:p>
         </p:txBody>
       </p:sp>
-      <mc:AlternateContent xmlns:mc="http://schemas.openxmlformats.org/markup-compatibility/2006" xmlns:a14="http://schemas.microsoft.com/office/drawing/2010/main">
-        <mc:Choice Requires="a14">
+      <mc:AlternateContent xmlns:mc="http://schemas.openxmlformats.org/markup-compatibility/2006">
+        <mc:Choice xmlns:a14="http://schemas.microsoft.com/office/drawing/2010/main" Requires="a14">
           <p:sp>
             <p:nvSpPr>
               <p:cNvPr id="3" name="Content Placeholder 2"/>
@@ -10768,7 +10879,7 @@
                           <a:rPr lang="en-SE" b="0" i="0" smtClean="0">
                             <a:latin typeface="Cambria Math" panose="02040503050406030204" pitchFamily="18" charset="0"/>
                           </a:rPr>
-                          <m:t>log</m:t>
+                          <m:t>ln</m:t>
                         </m:r>
                       </m:fName>
                       <m:e>
@@ -11499,76 +11610,75 @@
                 </a:r>
                 <a14:m>
                   <m:oMath xmlns:m="http://schemas.openxmlformats.org/officeDocument/2006/math">
-                    <m:r>
-                      <a:rPr lang="en-US" altLang="zh-CN" i="1">
-                        <a:latin typeface="Cambria Math" panose="02040503050406030204" pitchFamily="18" charset="0"/>
-                      </a:rPr>
-                      <m:t>|</m:t>
-                    </m:r>
-                    <m:func>
-                      <m:funcPr>
+                    <m:d>
+                      <m:dPr>
+                        <m:begChr m:val="|"/>
+                        <m:endChr m:val="|"/>
                         <m:ctrlPr>
                           <a:rPr lang="en-US" altLang="zh-CN" i="1">
                             <a:latin typeface="Cambria Math" panose="02040503050406030204" pitchFamily="18" charset="0"/>
                           </a:rPr>
                         </m:ctrlPr>
-                      </m:funcPr>
-                      <m:fName>
-                        <m:r>
-                          <m:rPr>
-                            <m:sty m:val="p"/>
-                          </m:rPr>
-                          <a:rPr lang="en-US" altLang="zh-CN">
-                            <a:latin typeface="Cambria Math" panose="02040503050406030204" pitchFamily="18" charset="0"/>
-                          </a:rPr>
-                          <m:t>log</m:t>
-                        </m:r>
-                      </m:fName>
+                      </m:dPr>
                       <m:e>
-                        <m:f>
-                          <m:fPr>
+                        <m:func>
+                          <m:funcPr>
                             <m:ctrlPr>
                               <a:rPr lang="en-US" altLang="zh-CN" i="1">
                                 <a:latin typeface="Cambria Math" panose="02040503050406030204" pitchFamily="18" charset="0"/>
                               </a:rPr>
                             </m:ctrlPr>
-                          </m:fPr>
-                          <m:num>
-                            <m:func>
-                              <m:funcPr>
+                          </m:funcPr>
+                          <m:fName>
+                            <m:r>
+                              <m:rPr>
+                                <m:sty m:val="p"/>
+                              </m:rPr>
+                              <a:rPr lang="en-US" altLang="zh-CN">
+                                <a:latin typeface="Cambria Math" panose="02040503050406030204" pitchFamily="18" charset="0"/>
+                              </a:rPr>
+                              <m:t>l</m:t>
+                            </m:r>
+                            <m:r>
+                              <m:rPr>
+                                <m:sty m:val="p"/>
+                              </m:rPr>
+                              <a:rPr lang="en-SE" altLang="zh-CN" b="0" i="0" smtClean="0">
+                                <a:latin typeface="Cambria Math" panose="02040503050406030204" pitchFamily="18" charset="0"/>
+                              </a:rPr>
+                              <m:t>n</m:t>
+                            </m:r>
+                          </m:fName>
+                          <m:e>
+                            <m:f>
+                              <m:fPr>
                                 <m:ctrlPr>
                                   <a:rPr lang="en-US" altLang="zh-CN" i="1">
                                     <a:latin typeface="Cambria Math" panose="02040503050406030204" pitchFamily="18" charset="0"/>
                                   </a:rPr>
                                 </m:ctrlPr>
-                              </m:funcPr>
-                              <m:fName>
-                                <m:r>
-                                  <m:rPr>
-                                    <m:sty m:val="p"/>
-                                  </m:rPr>
-                                  <a:rPr lang="en-US" altLang="zh-CN">
-                                    <a:latin typeface="Cambria Math" panose="02040503050406030204" pitchFamily="18" charset="0"/>
-                                  </a:rPr>
-                                  <m:t>Pr</m:t>
-                                </m:r>
-                              </m:fName>
-                              <m:e>
-                                <m:d>
-                                  <m:dPr>
+                              </m:fPr>
+                              <m:num>
+                                <m:func>
+                                  <m:funcPr>
                                     <m:ctrlPr>
                                       <a:rPr lang="en-US" altLang="zh-CN" i="1">
                                         <a:latin typeface="Cambria Math" panose="02040503050406030204" pitchFamily="18" charset="0"/>
                                       </a:rPr>
                                     </m:ctrlPr>
-                                  </m:dPr>
-                                  <m:e>
+                                  </m:funcPr>
+                                  <m:fName>
                                     <m:r>
-                                      <a:rPr lang="en-US" altLang="zh-CN" i="1">
+                                      <m:rPr>
+                                        <m:sty m:val="p"/>
+                                      </m:rPr>
+                                      <a:rPr lang="en-US" altLang="zh-CN">
                                         <a:latin typeface="Cambria Math" panose="02040503050406030204" pitchFamily="18" charset="0"/>
                                       </a:rPr>
-                                      <m:t>𝐴</m:t>
+                                      <m:t>Pr</m:t>
                                     </m:r>
+                                  </m:fName>
+                                  <m:e>
                                     <m:d>
                                       <m:dPr>
                                         <m:ctrlPr>
@@ -11582,63 +11692,63 @@
                                           <a:rPr lang="en-US" altLang="zh-CN" i="1">
                                             <a:latin typeface="Cambria Math" panose="02040503050406030204" pitchFamily="18" charset="0"/>
                                           </a:rPr>
-                                          <m:t>𝑆</m:t>
+                                          <m:t>𝐴</m:t>
+                                        </m:r>
+                                        <m:d>
+                                          <m:dPr>
+                                            <m:ctrlPr>
+                                              <a:rPr lang="en-US" altLang="zh-CN" i="1">
+                                                <a:latin typeface="Cambria Math" panose="02040503050406030204" pitchFamily="18" charset="0"/>
+                                              </a:rPr>
+                                            </m:ctrlPr>
+                                          </m:dPr>
+                                          <m:e>
+                                            <m:r>
+                                              <a:rPr lang="en-US" altLang="zh-CN" i="1">
+                                                <a:latin typeface="Cambria Math" panose="02040503050406030204" pitchFamily="18" charset="0"/>
+                                              </a:rPr>
+                                              <m:t>𝑆</m:t>
+                                            </m:r>
+                                          </m:e>
+                                        </m:d>
+                                        <m:r>
+                                          <a:rPr lang="en-US" altLang="zh-CN" i="1">
+                                            <a:latin typeface="Cambria Math" panose="02040503050406030204" pitchFamily="18" charset="0"/>
+                                          </a:rPr>
+                                          <m:t>∈</m:t>
+                                        </m:r>
+                                        <m:r>
+                                          <a:rPr lang="en-US" altLang="zh-CN" i="1">
+                                            <a:latin typeface="Cambria Math" panose="02040503050406030204" pitchFamily="18" charset="0"/>
+                                          </a:rPr>
+                                          <m:t>𝑄</m:t>
                                         </m:r>
                                       </m:e>
                                     </m:d>
-                                    <m:r>
-                                      <a:rPr lang="en-US" altLang="zh-CN" i="1">
-                                        <a:latin typeface="Cambria Math" panose="02040503050406030204" pitchFamily="18" charset="0"/>
-                                      </a:rPr>
-                                      <m:t>∈</m:t>
-                                    </m:r>
-                                    <m:r>
-                                      <a:rPr lang="en-US" altLang="zh-CN" i="1">
-                                        <a:latin typeface="Cambria Math" panose="02040503050406030204" pitchFamily="18" charset="0"/>
-                                      </a:rPr>
-                                      <m:t>𝑄</m:t>
-                                    </m:r>
                                   </m:e>
-                                </m:d>
-                              </m:e>
-                            </m:func>
-                          </m:num>
-                          <m:den>
-                            <m:func>
-                              <m:funcPr>
-                                <m:ctrlPr>
-                                  <a:rPr lang="en-US" altLang="zh-CN" i="1">
-                                    <a:latin typeface="Cambria Math" panose="02040503050406030204" pitchFamily="18" charset="0"/>
-                                  </a:rPr>
-                                </m:ctrlPr>
-                              </m:funcPr>
-                              <m:fName>
-                                <m:r>
-                                  <m:rPr>
-                                    <m:sty m:val="p"/>
-                                  </m:rPr>
-                                  <a:rPr lang="en-US" altLang="zh-CN">
-                                    <a:latin typeface="Cambria Math" panose="02040503050406030204" pitchFamily="18" charset="0"/>
-                                  </a:rPr>
-                                  <m:t>Pr</m:t>
-                                </m:r>
-                              </m:fName>
-                              <m:e>
-                                <m:d>
-                                  <m:dPr>
+                                </m:func>
+                              </m:num>
+                              <m:den>
+                                <m:func>
+                                  <m:funcPr>
                                     <m:ctrlPr>
                                       <a:rPr lang="en-US" altLang="zh-CN" i="1">
                                         <a:latin typeface="Cambria Math" panose="02040503050406030204" pitchFamily="18" charset="0"/>
                                       </a:rPr>
                                     </m:ctrlPr>
-                                  </m:dPr>
-                                  <m:e>
+                                  </m:funcPr>
+                                  <m:fName>
                                     <m:r>
-                                      <a:rPr lang="en-US" altLang="zh-CN" i="1">
+                                      <m:rPr>
+                                        <m:sty m:val="p"/>
+                                      </m:rPr>
+                                      <a:rPr lang="en-US" altLang="zh-CN">
                                         <a:latin typeface="Cambria Math" panose="02040503050406030204" pitchFamily="18" charset="0"/>
                                       </a:rPr>
-                                      <m:t>𝐴</m:t>
+                                      <m:t>Pr</m:t>
                                     </m:r>
+                                  </m:fName>
+                                  <m:e>
                                     <m:d>
                                       <m:dPr>
                                         <m:ctrlPr>
@@ -11648,58 +11758,75 @@
                                         </m:ctrlPr>
                                       </m:dPr>
                                       <m:e>
-                                        <m:sSup>
-                                          <m:sSupPr>
+                                        <m:r>
+                                          <a:rPr lang="en-US" altLang="zh-CN" i="1">
+                                            <a:latin typeface="Cambria Math" panose="02040503050406030204" pitchFamily="18" charset="0"/>
+                                          </a:rPr>
+                                          <m:t>𝐴</m:t>
+                                        </m:r>
+                                        <m:d>
+                                          <m:dPr>
                                             <m:ctrlPr>
                                               <a:rPr lang="en-US" altLang="zh-CN" i="1">
                                                 <a:latin typeface="Cambria Math" panose="02040503050406030204" pitchFamily="18" charset="0"/>
                                               </a:rPr>
                                             </m:ctrlPr>
-                                          </m:sSupPr>
+                                          </m:dPr>
                                           <m:e>
-                                            <m:r>
-                                              <a:rPr lang="en-US" altLang="zh-CN" i="1">
-                                                <a:latin typeface="Cambria Math" panose="02040503050406030204" pitchFamily="18" charset="0"/>
-                                              </a:rPr>
-                                              <m:t>𝑆</m:t>
-                                            </m:r>
+                                            <m:sSup>
+                                              <m:sSupPr>
+                                                <m:ctrlPr>
+                                                  <a:rPr lang="en-US" altLang="zh-CN" i="1">
+                                                    <a:latin typeface="Cambria Math" panose="02040503050406030204" pitchFamily="18" charset="0"/>
+                                                  </a:rPr>
+                                                </m:ctrlPr>
+                                              </m:sSupPr>
+                                              <m:e>
+                                                <m:r>
+                                                  <a:rPr lang="en-US" altLang="zh-CN" i="1">
+                                                    <a:latin typeface="Cambria Math" panose="02040503050406030204" pitchFamily="18" charset="0"/>
+                                                  </a:rPr>
+                                                  <m:t>𝑆</m:t>
+                                                </m:r>
+                                              </m:e>
+                                              <m:sup>
+                                                <m:r>
+                                                  <a:rPr lang="en-US" altLang="zh-CN" i="1">
+                                                    <a:latin typeface="Cambria Math" panose="02040503050406030204" pitchFamily="18" charset="0"/>
+                                                  </a:rPr>
+                                                  <m:t>′</m:t>
+                                                </m:r>
+                                              </m:sup>
+                                            </m:sSup>
                                           </m:e>
-                                          <m:sup>
-                                            <m:r>
-                                              <a:rPr lang="en-US" altLang="zh-CN" i="1">
-                                                <a:latin typeface="Cambria Math" panose="02040503050406030204" pitchFamily="18" charset="0"/>
-                                              </a:rPr>
-                                              <m:t>′</m:t>
-                                            </m:r>
-                                          </m:sup>
-                                        </m:sSup>
+                                        </m:d>
+                                        <m:r>
+                                          <a:rPr lang="en-US" altLang="zh-CN" i="1">
+                                            <a:latin typeface="Cambria Math" panose="02040503050406030204" pitchFamily="18" charset="0"/>
+                                          </a:rPr>
+                                          <m:t>∈</m:t>
+                                        </m:r>
+                                        <m:r>
+                                          <a:rPr lang="en-US" altLang="zh-CN" i="1">
+                                            <a:latin typeface="Cambria Math" panose="02040503050406030204" pitchFamily="18" charset="0"/>
+                                          </a:rPr>
+                                          <m:t>𝑄</m:t>
+                                        </m:r>
                                       </m:e>
                                     </m:d>
-                                    <m:r>
-                                      <a:rPr lang="en-US" altLang="zh-CN" i="1">
-                                        <a:latin typeface="Cambria Math" panose="02040503050406030204" pitchFamily="18" charset="0"/>
-                                      </a:rPr>
-                                      <m:t>∈</m:t>
-                                    </m:r>
-                                    <m:r>
-                                      <a:rPr lang="en-US" altLang="zh-CN" i="1">
-                                        <a:latin typeface="Cambria Math" panose="02040503050406030204" pitchFamily="18" charset="0"/>
-                                      </a:rPr>
-                                      <m:t>𝑄</m:t>
-                                    </m:r>
                                   </m:e>
-                                </m:d>
-                              </m:e>
-                            </m:func>
-                          </m:den>
-                        </m:f>
+                                </m:func>
+                              </m:den>
+                            </m:f>
+                          </m:e>
+                        </m:func>
                       </m:e>
-                    </m:func>
-                    <m:r>
-                      <a:rPr lang="en-US" altLang="zh-CN" i="1">
-                        <a:latin typeface="Cambria Math" panose="02040503050406030204" pitchFamily="18" charset="0"/>
-                      </a:rPr>
-                      <m:t>|≤</m:t>
+                    </m:d>
+                    <m:r>
+                      <a:rPr lang="en-SE" altLang="zh-CN" b="0" i="1" smtClean="0">
+                        <a:latin typeface="Cambria Math" panose="02040503050406030204" pitchFamily="18" charset="0"/>
+                      </a:rPr>
+                      <m:t>=</m:t>
                     </m:r>
                     <m:func>
                       <m:funcPr>
@@ -11714,10 +11841,10 @@
                           <m:rPr>
                             <m:sty m:val="p"/>
                           </m:rPr>
-                          <a:rPr lang="en-SE">
-                            <a:latin typeface="Cambria Math" panose="02040503050406030204" pitchFamily="18" charset="0"/>
-                          </a:rPr>
-                          <m:t>log</m:t>
+                          <a:rPr lang="en-SE" b="0" i="0" smtClean="0">
+                            <a:latin typeface="Cambria Math" panose="02040503050406030204" pitchFamily="18" charset="0"/>
+                          </a:rPr>
+                          <m:t>ln</m:t>
                         </m:r>
                       </m:fName>
                       <m:e>
@@ -11739,7 +11866,7 @@
             </p:txBody>
           </p:sp>
         </mc:Choice>
-        <mc:Fallback xmlns="">
+        <mc:Fallback>
           <p:sp>
             <p:nvSpPr>
               <p:cNvPr id="3" name="Content Placeholder 2"/>
@@ -11752,7 +11879,7 @@
             </p:nvSpPr>
             <p:spPr>
               <a:blipFill>
-                <a:blip r:embed="rId2"/>
+                <a:blip r:embed="rId3"/>
                 <a:stretch>
                   <a:fillRect l="-1379" t="-1405" r="-2000"/>
                 </a:stretch>
@@ -11773,30 +11900,6 @@
           </p:sp>
         </mc:Fallback>
       </mc:AlternateContent>
-      <p:pic>
-        <p:nvPicPr>
-          <p:cNvPr id="4" name="Picture 3"/>
-          <p:cNvPicPr>
-            <a:picLocks noChangeAspect="1"/>
-          </p:cNvPicPr>
-          <p:nvPr/>
-        </p:nvPicPr>
-        <p:blipFill>
-          <a:blip r:embed="rId3"/>
-          <a:stretch>
-            <a:fillRect/>
-          </a:stretch>
-        </p:blipFill>
-        <p:spPr>
-          <a:xfrm>
-            <a:off x="9171736" y="1020188"/>
-            <a:ext cx="4808637" cy="5738357"/>
-          </a:xfrm>
-          <a:prstGeom prst="rect">
-            <a:avLst/>
-          </a:prstGeom>
-        </p:spPr>
-      </p:pic>
     </p:spTree>
     <p:extLst>
       <p:ext uri="{BB962C8B-B14F-4D97-AF65-F5344CB8AC3E}">

--- a/AdvOS/PPT+papers/Gu-DiffPriv.pptx
+++ b/AdvOS/PPT+papers/Gu-DiffPriv.pptx
@@ -225,7 +225,7 @@
             <a:fld id="{7C0CEB4B-0D62-444C-A05C-70565453F06B}" type="datetimeFigureOut">
               <a:rPr lang="en-US" smtClean="0"/>
               <a:pPr/>
-              <a:t>6/12/2020</a:t>
+              <a:t>6/10/2020</a:t>
             </a:fld>
             <a:endParaRPr lang="en-US"/>
           </a:p>
@@ -638,91 +638,6 @@
             <a:fld id="{9759C4A7-EF62-4E76-99C8-FC7A8F377225}" type="slidenum">
               <a:rPr lang="en-US" smtClean="0"/>
               <a:pPr/>
-              <a:t>15</a:t>
-            </a:fld>
-            <a:endParaRPr lang="en-US"/>
-          </a:p>
-        </p:txBody>
-      </p:sp>
-    </p:spTree>
-    <p:extLst>
-      <p:ext uri="{BB962C8B-B14F-4D97-AF65-F5344CB8AC3E}">
-        <p14:creationId xmlns:p14="http://schemas.microsoft.com/office/powerpoint/2010/main" val="3351927847"/>
-      </p:ext>
-    </p:extLst>
-  </p:cSld>
-  <p:clrMapOvr>
-    <a:masterClrMapping/>
-  </p:clrMapOvr>
-</p:notes>
-</file>
-
-<file path=ppt/notesSlides/notesSlide11.xml><?xml version="1.0" encoding="utf-8"?>
-<p:notes xmlns:a="http://schemas.openxmlformats.org/drawingml/2006/main" xmlns:r="http://schemas.openxmlformats.org/officeDocument/2006/relationships" xmlns:p="http://schemas.openxmlformats.org/presentationml/2006/main">
-  <p:cSld>
-    <p:spTree>
-      <p:nvGrpSpPr>
-        <p:cNvPr id="1" name=""/>
-        <p:cNvGrpSpPr/>
-        <p:nvPr/>
-      </p:nvGrpSpPr>
-      <p:grpSpPr>
-        <a:xfrm>
-          <a:off x="0" y="0"/>
-          <a:ext cx="0" cy="0"/>
-          <a:chOff x="0" y="0"/>
-          <a:chExt cx="0" cy="0"/>
-        </a:xfrm>
-      </p:grpSpPr>
-      <p:sp>
-        <p:nvSpPr>
-          <p:cNvPr id="2" name="幻灯片图像占位符 1"/>
-          <p:cNvSpPr>
-            <a:spLocks noGrp="1" noRot="1" noChangeAspect="1"/>
-          </p:cNvSpPr>
-          <p:nvPr>
-            <p:ph type="sldImg"/>
-          </p:nvPr>
-        </p:nvSpPr>
-        <p:spPr/>
-      </p:sp>
-      <p:sp>
-        <p:nvSpPr>
-          <p:cNvPr id="3" name="备注占位符 2"/>
-          <p:cNvSpPr>
-            <a:spLocks noGrp="1"/>
-          </p:cNvSpPr>
-          <p:nvPr>
-            <p:ph type="body" idx="1"/>
-          </p:nvPr>
-        </p:nvSpPr>
-        <p:spPr/>
-        <p:txBody>
-          <a:bodyPr/>
-          <a:lstStyle/>
-          <a:p>
-            <a:endParaRPr lang="zh-CN" altLang="en-US" dirty="0"/>
-          </a:p>
-        </p:txBody>
-      </p:sp>
-      <p:sp>
-        <p:nvSpPr>
-          <p:cNvPr id="4" name="灯片编号占位符 3"/>
-          <p:cNvSpPr>
-            <a:spLocks noGrp="1"/>
-          </p:cNvSpPr>
-          <p:nvPr>
-            <p:ph type="sldNum" sz="quarter" idx="5"/>
-          </p:nvPr>
-        </p:nvSpPr>
-        <p:spPr/>
-        <p:txBody>
-          <a:bodyPr/>
-          <a:lstStyle/>
-          <a:p>
-            <a:fld id="{9759C4A7-EF62-4E76-99C8-FC7A8F377225}" type="slidenum">
-              <a:rPr lang="en-US" smtClean="0"/>
-              <a:pPr/>
               <a:t>17</a:t>
             </a:fld>
             <a:endParaRPr lang="en-US"/>
@@ -1750,99 +1665,6 @@
           <a:lstStyle/>
           <a:p>
             <a:r>
-              <a:rPr lang="en-US" dirty="0" smtClean="0"/>
-              <a:t>I</a:t>
-            </a:r>
-            <a:r>
-              <a:rPr lang="en-SE" dirty="0" smtClean="0"/>
-              <a:t>f 80:10:10, then .9/.1=9</a:t>
-            </a:r>
-            <a:endParaRPr lang="en-US" dirty="0"/>
-          </a:p>
-        </p:txBody>
-      </p:sp>
-      <p:sp>
-        <p:nvSpPr>
-          <p:cNvPr id="4" name="Slide Number Placeholder 3"/>
-          <p:cNvSpPr>
-            <a:spLocks noGrp="1"/>
-          </p:cNvSpPr>
-          <p:nvPr>
-            <p:ph type="sldNum" sz="quarter" idx="10"/>
-          </p:nvPr>
-        </p:nvSpPr>
-        <p:spPr/>
-        <p:txBody>
-          <a:bodyPr/>
-          <a:lstStyle/>
-          <a:p>
-            <a:fld id="{9759C4A7-EF62-4E76-99C8-FC7A8F377225}" type="slidenum">
-              <a:rPr lang="en-US" smtClean="0"/>
-              <a:pPr/>
-              <a:t>5</a:t>
-            </a:fld>
-            <a:endParaRPr lang="en-US"/>
-          </a:p>
-        </p:txBody>
-      </p:sp>
-    </p:spTree>
-    <p:extLst>
-      <p:ext uri="{BB962C8B-B14F-4D97-AF65-F5344CB8AC3E}">
-        <p14:creationId xmlns:p14="http://schemas.microsoft.com/office/powerpoint/2010/main" val="3639704328"/>
-      </p:ext>
-    </p:extLst>
-  </p:cSld>
-  <p:clrMapOvr>
-    <a:masterClrMapping/>
-  </p:clrMapOvr>
-</p:notes>
-</file>
-
-<file path=ppt/notesSlides/notesSlide4.xml><?xml version="1.0" encoding="utf-8"?>
-<p:notes xmlns:a="http://schemas.openxmlformats.org/drawingml/2006/main" xmlns:r="http://schemas.openxmlformats.org/officeDocument/2006/relationships" xmlns:p="http://schemas.openxmlformats.org/presentationml/2006/main">
-  <p:cSld>
-    <p:spTree>
-      <p:nvGrpSpPr>
-        <p:cNvPr id="1" name=""/>
-        <p:cNvGrpSpPr/>
-        <p:nvPr/>
-      </p:nvGrpSpPr>
-      <p:grpSpPr>
-        <a:xfrm>
-          <a:off x="0" y="0"/>
-          <a:ext cx="0" cy="0"/>
-          <a:chOff x="0" y="0"/>
-          <a:chExt cx="0" cy="0"/>
-        </a:xfrm>
-      </p:grpSpPr>
-      <p:sp>
-        <p:nvSpPr>
-          <p:cNvPr id="2" name="Slide Image Placeholder 1"/>
-          <p:cNvSpPr>
-            <a:spLocks noGrp="1" noRot="1" noChangeAspect="1"/>
-          </p:cNvSpPr>
-          <p:nvPr>
-            <p:ph type="sldImg"/>
-          </p:nvPr>
-        </p:nvSpPr>
-        <p:spPr/>
-      </p:sp>
-      <p:sp>
-        <p:nvSpPr>
-          <p:cNvPr id="3" name="Notes Placeholder 2"/>
-          <p:cNvSpPr>
-            <a:spLocks noGrp="1"/>
-          </p:cNvSpPr>
-          <p:nvPr>
-            <p:ph type="body" idx="1"/>
-          </p:nvPr>
-        </p:nvSpPr>
-        <p:spPr/>
-        <p:txBody>
-          <a:bodyPr/>
-          <a:lstStyle/>
-          <a:p>
-            <a:r>
               <a:rPr lang="en-GB" dirty="0" smtClean="0"/>
               <a:t>sensitivity is 1/|</a:t>
             </a:r>
@@ -1936,7 +1758,7 @@
 </p:notes>
 </file>
 
-<file path=ppt/notesSlides/notesSlide5.xml><?xml version="1.0" encoding="utf-8"?>
+<file path=ppt/notesSlides/notesSlide4.xml><?xml version="1.0" encoding="utf-8"?>
 <p:notes xmlns:a="http://schemas.openxmlformats.org/drawingml/2006/main" xmlns:r="http://schemas.openxmlformats.org/officeDocument/2006/relationships" xmlns:p="http://schemas.openxmlformats.org/presentationml/2006/main">
   <p:cSld>
     <p:spTree>
@@ -2146,7 +1968,7 @@
 </p:notes>
 </file>
 
-<file path=ppt/notesSlides/notesSlide6.xml><?xml version="1.0" encoding="utf-8"?>
+<file path=ppt/notesSlides/notesSlide5.xml><?xml version="1.0" encoding="utf-8"?>
 <p:notes xmlns:a="http://schemas.openxmlformats.org/drawingml/2006/main" xmlns:r="http://schemas.openxmlformats.org/officeDocument/2006/relationships" xmlns:p="http://schemas.openxmlformats.org/presentationml/2006/main">
   <p:cSld>
     <p:spTree>
@@ -2255,7 +2077,7 @@
 </p:notes>
 </file>
 
-<file path=ppt/notesSlides/notesSlide7.xml><?xml version="1.0" encoding="utf-8"?>
+<file path=ppt/notesSlides/notesSlide6.xml><?xml version="1.0" encoding="utf-8"?>
 <p:notes xmlns:a="http://schemas.openxmlformats.org/drawingml/2006/main" xmlns:r="http://schemas.openxmlformats.org/officeDocument/2006/relationships" xmlns:p="http://schemas.openxmlformats.org/presentationml/2006/main">
   <p:cSld>
     <p:spTree>
@@ -2362,7 +2184,7 @@
 </p:notes>
 </file>
 
-<file path=ppt/notesSlides/notesSlide8.xml><?xml version="1.0" encoding="utf-8"?>
+<file path=ppt/notesSlides/notesSlide7.xml><?xml version="1.0" encoding="utf-8"?>
 <p:notes xmlns:a="http://schemas.openxmlformats.org/drawingml/2006/main" xmlns:r="http://schemas.openxmlformats.org/officeDocument/2006/relationships" xmlns:p="http://schemas.openxmlformats.org/presentationml/2006/main">
   <p:cSld>
     <p:spTree>
@@ -2459,7 +2281,7 @@
 </p:notes>
 </file>
 
-<file path=ppt/notesSlides/notesSlide9.xml><?xml version="1.0" encoding="utf-8"?>
+<file path=ppt/notesSlides/notesSlide8.xml><?xml version="1.0" encoding="utf-8"?>
 <p:notes xmlns:a="http://schemas.openxmlformats.org/drawingml/2006/main" xmlns:r="http://schemas.openxmlformats.org/officeDocument/2006/relationships" xmlns:p="http://schemas.openxmlformats.org/presentationml/2006/main">
   <p:cSld>
     <p:spTree>
@@ -2539,6 +2361,91 @@
     <p:extLst>
       <p:ext uri="{BB962C8B-B14F-4D97-AF65-F5344CB8AC3E}">
         <p14:creationId xmlns:p14="http://schemas.microsoft.com/office/powerpoint/2010/main" val="313387588"/>
+      </p:ext>
+    </p:extLst>
+  </p:cSld>
+  <p:clrMapOvr>
+    <a:masterClrMapping/>
+  </p:clrMapOvr>
+</p:notes>
+</file>
+
+<file path=ppt/notesSlides/notesSlide9.xml><?xml version="1.0" encoding="utf-8"?>
+<p:notes xmlns:a="http://schemas.openxmlformats.org/drawingml/2006/main" xmlns:r="http://schemas.openxmlformats.org/officeDocument/2006/relationships" xmlns:p="http://schemas.openxmlformats.org/presentationml/2006/main">
+  <p:cSld>
+    <p:spTree>
+      <p:nvGrpSpPr>
+        <p:cNvPr id="1" name=""/>
+        <p:cNvGrpSpPr/>
+        <p:nvPr/>
+      </p:nvGrpSpPr>
+      <p:grpSpPr>
+        <a:xfrm>
+          <a:off x="0" y="0"/>
+          <a:ext cx="0" cy="0"/>
+          <a:chOff x="0" y="0"/>
+          <a:chExt cx="0" cy="0"/>
+        </a:xfrm>
+      </p:grpSpPr>
+      <p:sp>
+        <p:nvSpPr>
+          <p:cNvPr id="2" name="幻灯片图像占位符 1"/>
+          <p:cNvSpPr>
+            <a:spLocks noGrp="1" noRot="1" noChangeAspect="1"/>
+          </p:cNvSpPr>
+          <p:nvPr>
+            <p:ph type="sldImg"/>
+          </p:nvPr>
+        </p:nvSpPr>
+        <p:spPr/>
+      </p:sp>
+      <p:sp>
+        <p:nvSpPr>
+          <p:cNvPr id="3" name="备注占位符 2"/>
+          <p:cNvSpPr>
+            <a:spLocks noGrp="1"/>
+          </p:cNvSpPr>
+          <p:nvPr>
+            <p:ph type="body" idx="1"/>
+          </p:nvPr>
+        </p:nvSpPr>
+        <p:spPr/>
+        <p:txBody>
+          <a:bodyPr/>
+          <a:lstStyle/>
+          <a:p>
+            <a:endParaRPr lang="zh-CN" altLang="en-US" dirty="0"/>
+          </a:p>
+        </p:txBody>
+      </p:sp>
+      <p:sp>
+        <p:nvSpPr>
+          <p:cNvPr id="4" name="灯片编号占位符 3"/>
+          <p:cNvSpPr>
+            <a:spLocks noGrp="1"/>
+          </p:cNvSpPr>
+          <p:nvPr>
+            <p:ph type="sldNum" sz="quarter" idx="5"/>
+          </p:nvPr>
+        </p:nvSpPr>
+        <p:spPr/>
+        <p:txBody>
+          <a:bodyPr/>
+          <a:lstStyle/>
+          <a:p>
+            <a:fld id="{9759C4A7-EF62-4E76-99C8-FC7A8F377225}" type="slidenum">
+              <a:rPr lang="en-US" smtClean="0"/>
+              <a:pPr/>
+              <a:t>15</a:t>
+            </a:fld>
+            <a:endParaRPr lang="en-US"/>
+          </a:p>
+        </p:txBody>
+      </p:sp>
+    </p:spTree>
+    <p:extLst>
+      <p:ext uri="{BB962C8B-B14F-4D97-AF65-F5344CB8AC3E}">
+        <p14:creationId xmlns:p14="http://schemas.microsoft.com/office/powerpoint/2010/main" val="3351927847"/>
       </p:ext>
     </p:extLst>
   </p:cSld>
@@ -2730,7 +2637,7 @@
             <a:fld id="{CE1938E7-FCD4-418C-87D0-DD707A52F1FF}" type="datetimeFigureOut">
               <a:rPr lang="en-US" smtClean="0"/>
               <a:pPr/>
-              <a:t>6/12/2020</a:t>
+              <a:t>6/10/2020</a:t>
             </a:fld>
             <a:endParaRPr lang="en-US"/>
           </a:p>
@@ -3296,7 +3203,7 @@
             <a:fld id="{CE1938E7-FCD4-418C-87D0-DD707A52F1FF}" type="datetimeFigureOut">
               <a:rPr lang="en-US" smtClean="0"/>
               <a:pPr/>
-              <a:t>6/12/2020</a:t>
+              <a:t>6/10/2020</a:t>
             </a:fld>
             <a:endParaRPr lang="en-US"/>
           </a:p>
@@ -5705,16 +5612,7 @@
                           <a:rPr lang="en-US" altLang="zh-CN">
                             <a:latin typeface="Cambria Math" panose="02040503050406030204" pitchFamily="18" charset="0"/>
                           </a:rPr>
-                          <m:t>l</m:t>
-                        </m:r>
-                        <m:r>
-                          <m:rPr>
-                            <m:sty m:val="p"/>
-                          </m:rPr>
-                          <a:rPr lang="en-SE" altLang="zh-CN" b="0" i="0" smtClean="0">
-                            <a:latin typeface="Cambria Math" panose="02040503050406030204" pitchFamily="18" charset="0"/>
-                          </a:rPr>
-                          <m:t>n</m:t>
+                          <m:t>log</m:t>
                         </m:r>
                       </m:fName>
                       <m:e>
@@ -10306,16 +10204,7 @@
                           <a:rPr lang="en-US" altLang="zh-CN">
                             <a:latin typeface="Cambria Math" panose="02040503050406030204" pitchFamily="18" charset="0"/>
                           </a:rPr>
-                          <m:t>l</m:t>
-                        </m:r>
-                        <m:r>
-                          <m:rPr>
-                            <m:sty m:val="p"/>
-                          </m:rPr>
-                          <a:rPr lang="en-SE" altLang="zh-CN" b="0" i="0" smtClean="0">
-                            <a:latin typeface="Cambria Math" panose="02040503050406030204" pitchFamily="18" charset="0"/>
-                          </a:rPr>
-                          <m:t>n</m:t>
+                          <m:t>log</m:t>
                         </m:r>
                       </m:fName>
                       <m:e>
@@ -10832,8 +10721,8 @@
           </a:p>
         </p:txBody>
       </p:sp>
-      <mc:AlternateContent xmlns:mc="http://schemas.openxmlformats.org/markup-compatibility/2006">
-        <mc:Choice xmlns:a14="http://schemas.microsoft.com/office/drawing/2010/main" Requires="a14">
+      <mc:AlternateContent xmlns:mc="http://schemas.openxmlformats.org/markup-compatibility/2006" xmlns:a14="http://schemas.microsoft.com/office/drawing/2010/main">
+        <mc:Choice Requires="a14">
           <p:sp>
             <p:nvSpPr>
               <p:cNvPr id="3" name="Content Placeholder 2"/>
@@ -10879,7 +10768,7 @@
                           <a:rPr lang="en-SE" b="0" i="0" smtClean="0">
                             <a:latin typeface="Cambria Math" panose="02040503050406030204" pitchFamily="18" charset="0"/>
                           </a:rPr>
-                          <m:t>ln</m:t>
+                          <m:t>log</m:t>
                         </m:r>
                       </m:fName>
                       <m:e>
@@ -11610,75 +11499,76 @@
                 </a:r>
                 <a14:m>
                   <m:oMath xmlns:m="http://schemas.openxmlformats.org/officeDocument/2006/math">
-                    <m:d>
-                      <m:dPr>
-                        <m:begChr m:val="|"/>
-                        <m:endChr m:val="|"/>
+                    <m:r>
+                      <a:rPr lang="en-US" altLang="zh-CN" i="1">
+                        <a:latin typeface="Cambria Math" panose="02040503050406030204" pitchFamily="18" charset="0"/>
+                      </a:rPr>
+                      <m:t>|</m:t>
+                    </m:r>
+                    <m:func>
+                      <m:funcPr>
                         <m:ctrlPr>
                           <a:rPr lang="en-US" altLang="zh-CN" i="1">
                             <a:latin typeface="Cambria Math" panose="02040503050406030204" pitchFamily="18" charset="0"/>
                           </a:rPr>
                         </m:ctrlPr>
-                      </m:dPr>
+                      </m:funcPr>
+                      <m:fName>
+                        <m:r>
+                          <m:rPr>
+                            <m:sty m:val="p"/>
+                          </m:rPr>
+                          <a:rPr lang="en-US" altLang="zh-CN">
+                            <a:latin typeface="Cambria Math" panose="02040503050406030204" pitchFamily="18" charset="0"/>
+                          </a:rPr>
+                          <m:t>log</m:t>
+                        </m:r>
+                      </m:fName>
                       <m:e>
-                        <m:func>
-                          <m:funcPr>
+                        <m:f>
+                          <m:fPr>
                             <m:ctrlPr>
                               <a:rPr lang="en-US" altLang="zh-CN" i="1">
                                 <a:latin typeface="Cambria Math" panose="02040503050406030204" pitchFamily="18" charset="0"/>
                               </a:rPr>
                             </m:ctrlPr>
-                          </m:funcPr>
-                          <m:fName>
-                            <m:r>
-                              <m:rPr>
-                                <m:sty m:val="p"/>
-                              </m:rPr>
-                              <a:rPr lang="en-US" altLang="zh-CN">
-                                <a:latin typeface="Cambria Math" panose="02040503050406030204" pitchFamily="18" charset="0"/>
-                              </a:rPr>
-                              <m:t>l</m:t>
-                            </m:r>
-                            <m:r>
-                              <m:rPr>
-                                <m:sty m:val="p"/>
-                              </m:rPr>
-                              <a:rPr lang="en-SE" altLang="zh-CN" b="0" i="0" smtClean="0">
-                                <a:latin typeface="Cambria Math" panose="02040503050406030204" pitchFamily="18" charset="0"/>
-                              </a:rPr>
-                              <m:t>n</m:t>
-                            </m:r>
-                          </m:fName>
-                          <m:e>
-                            <m:f>
-                              <m:fPr>
+                          </m:fPr>
+                          <m:num>
+                            <m:func>
+                              <m:funcPr>
                                 <m:ctrlPr>
                                   <a:rPr lang="en-US" altLang="zh-CN" i="1">
                                     <a:latin typeface="Cambria Math" panose="02040503050406030204" pitchFamily="18" charset="0"/>
                                   </a:rPr>
                                 </m:ctrlPr>
-                              </m:fPr>
-                              <m:num>
-                                <m:func>
-                                  <m:funcPr>
+                              </m:funcPr>
+                              <m:fName>
+                                <m:r>
+                                  <m:rPr>
+                                    <m:sty m:val="p"/>
+                                  </m:rPr>
+                                  <a:rPr lang="en-US" altLang="zh-CN">
+                                    <a:latin typeface="Cambria Math" panose="02040503050406030204" pitchFamily="18" charset="0"/>
+                                  </a:rPr>
+                                  <m:t>Pr</m:t>
+                                </m:r>
+                              </m:fName>
+                              <m:e>
+                                <m:d>
+                                  <m:dPr>
                                     <m:ctrlPr>
                                       <a:rPr lang="en-US" altLang="zh-CN" i="1">
                                         <a:latin typeface="Cambria Math" panose="02040503050406030204" pitchFamily="18" charset="0"/>
                                       </a:rPr>
                                     </m:ctrlPr>
-                                  </m:funcPr>
-                                  <m:fName>
+                                  </m:dPr>
+                                  <m:e>
                                     <m:r>
-                                      <m:rPr>
-                                        <m:sty m:val="p"/>
-                                      </m:rPr>
-                                      <a:rPr lang="en-US" altLang="zh-CN">
+                                      <a:rPr lang="en-US" altLang="zh-CN" i="1">
                                         <a:latin typeface="Cambria Math" panose="02040503050406030204" pitchFamily="18" charset="0"/>
                                       </a:rPr>
-                                      <m:t>Pr</m:t>
+                                      <m:t>𝐴</m:t>
                                     </m:r>
-                                  </m:fName>
-                                  <m:e>
                                     <m:d>
                                       <m:dPr>
                                         <m:ctrlPr>
@@ -11692,63 +11582,63 @@
                                           <a:rPr lang="en-US" altLang="zh-CN" i="1">
                                             <a:latin typeface="Cambria Math" panose="02040503050406030204" pitchFamily="18" charset="0"/>
                                           </a:rPr>
-                                          <m:t>𝐴</m:t>
-                                        </m:r>
-                                        <m:d>
-                                          <m:dPr>
-                                            <m:ctrlPr>
-                                              <a:rPr lang="en-US" altLang="zh-CN" i="1">
-                                                <a:latin typeface="Cambria Math" panose="02040503050406030204" pitchFamily="18" charset="0"/>
-                                              </a:rPr>
-                                            </m:ctrlPr>
-                                          </m:dPr>
-                                          <m:e>
-                                            <m:r>
-                                              <a:rPr lang="en-US" altLang="zh-CN" i="1">
-                                                <a:latin typeface="Cambria Math" panose="02040503050406030204" pitchFamily="18" charset="0"/>
-                                              </a:rPr>
-                                              <m:t>𝑆</m:t>
-                                            </m:r>
-                                          </m:e>
-                                        </m:d>
-                                        <m:r>
-                                          <a:rPr lang="en-US" altLang="zh-CN" i="1">
-                                            <a:latin typeface="Cambria Math" panose="02040503050406030204" pitchFamily="18" charset="0"/>
-                                          </a:rPr>
-                                          <m:t>∈</m:t>
-                                        </m:r>
-                                        <m:r>
-                                          <a:rPr lang="en-US" altLang="zh-CN" i="1">
-                                            <a:latin typeface="Cambria Math" panose="02040503050406030204" pitchFamily="18" charset="0"/>
-                                          </a:rPr>
-                                          <m:t>𝑄</m:t>
+                                          <m:t>𝑆</m:t>
                                         </m:r>
                                       </m:e>
                                     </m:d>
+                                    <m:r>
+                                      <a:rPr lang="en-US" altLang="zh-CN" i="1">
+                                        <a:latin typeface="Cambria Math" panose="02040503050406030204" pitchFamily="18" charset="0"/>
+                                      </a:rPr>
+                                      <m:t>∈</m:t>
+                                    </m:r>
+                                    <m:r>
+                                      <a:rPr lang="en-US" altLang="zh-CN" i="1">
+                                        <a:latin typeface="Cambria Math" panose="02040503050406030204" pitchFamily="18" charset="0"/>
+                                      </a:rPr>
+                                      <m:t>𝑄</m:t>
+                                    </m:r>
                                   </m:e>
-                                </m:func>
-                              </m:num>
-                              <m:den>
-                                <m:func>
-                                  <m:funcPr>
+                                </m:d>
+                              </m:e>
+                            </m:func>
+                          </m:num>
+                          <m:den>
+                            <m:func>
+                              <m:funcPr>
+                                <m:ctrlPr>
+                                  <a:rPr lang="en-US" altLang="zh-CN" i="1">
+                                    <a:latin typeface="Cambria Math" panose="02040503050406030204" pitchFamily="18" charset="0"/>
+                                  </a:rPr>
+                                </m:ctrlPr>
+                              </m:funcPr>
+                              <m:fName>
+                                <m:r>
+                                  <m:rPr>
+                                    <m:sty m:val="p"/>
+                                  </m:rPr>
+                                  <a:rPr lang="en-US" altLang="zh-CN">
+                                    <a:latin typeface="Cambria Math" panose="02040503050406030204" pitchFamily="18" charset="0"/>
+                                  </a:rPr>
+                                  <m:t>Pr</m:t>
+                                </m:r>
+                              </m:fName>
+                              <m:e>
+                                <m:d>
+                                  <m:dPr>
                                     <m:ctrlPr>
                                       <a:rPr lang="en-US" altLang="zh-CN" i="1">
                                         <a:latin typeface="Cambria Math" panose="02040503050406030204" pitchFamily="18" charset="0"/>
                                       </a:rPr>
                                     </m:ctrlPr>
-                                  </m:funcPr>
-                                  <m:fName>
+                                  </m:dPr>
+                                  <m:e>
                                     <m:r>
-                                      <m:rPr>
-                                        <m:sty m:val="p"/>
-                                      </m:rPr>
-                                      <a:rPr lang="en-US" altLang="zh-CN">
+                                      <a:rPr lang="en-US" altLang="zh-CN" i="1">
                                         <a:latin typeface="Cambria Math" panose="02040503050406030204" pitchFamily="18" charset="0"/>
                                       </a:rPr>
-                                      <m:t>Pr</m:t>
+                                      <m:t>𝐴</m:t>
                                     </m:r>
-                                  </m:fName>
-                                  <m:e>
                                     <m:d>
                                       <m:dPr>
                                         <m:ctrlPr>
@@ -11758,75 +11648,58 @@
                                         </m:ctrlPr>
                                       </m:dPr>
                                       <m:e>
-                                        <m:r>
-                                          <a:rPr lang="en-US" altLang="zh-CN" i="1">
-                                            <a:latin typeface="Cambria Math" panose="02040503050406030204" pitchFamily="18" charset="0"/>
-                                          </a:rPr>
-                                          <m:t>𝐴</m:t>
-                                        </m:r>
-                                        <m:d>
-                                          <m:dPr>
+                                        <m:sSup>
+                                          <m:sSupPr>
                                             <m:ctrlPr>
                                               <a:rPr lang="en-US" altLang="zh-CN" i="1">
                                                 <a:latin typeface="Cambria Math" panose="02040503050406030204" pitchFamily="18" charset="0"/>
                                               </a:rPr>
                                             </m:ctrlPr>
-                                          </m:dPr>
+                                          </m:sSupPr>
                                           <m:e>
-                                            <m:sSup>
-                                              <m:sSupPr>
-                                                <m:ctrlPr>
-                                                  <a:rPr lang="en-US" altLang="zh-CN" i="1">
-                                                    <a:latin typeface="Cambria Math" panose="02040503050406030204" pitchFamily="18" charset="0"/>
-                                                  </a:rPr>
-                                                </m:ctrlPr>
-                                              </m:sSupPr>
-                                              <m:e>
-                                                <m:r>
-                                                  <a:rPr lang="en-US" altLang="zh-CN" i="1">
-                                                    <a:latin typeface="Cambria Math" panose="02040503050406030204" pitchFamily="18" charset="0"/>
-                                                  </a:rPr>
-                                                  <m:t>𝑆</m:t>
-                                                </m:r>
-                                              </m:e>
-                                              <m:sup>
-                                                <m:r>
-                                                  <a:rPr lang="en-US" altLang="zh-CN" i="1">
-                                                    <a:latin typeface="Cambria Math" panose="02040503050406030204" pitchFamily="18" charset="0"/>
-                                                  </a:rPr>
-                                                  <m:t>′</m:t>
-                                                </m:r>
-                                              </m:sup>
-                                            </m:sSup>
+                                            <m:r>
+                                              <a:rPr lang="en-US" altLang="zh-CN" i="1">
+                                                <a:latin typeface="Cambria Math" panose="02040503050406030204" pitchFamily="18" charset="0"/>
+                                              </a:rPr>
+                                              <m:t>𝑆</m:t>
+                                            </m:r>
                                           </m:e>
-                                        </m:d>
-                                        <m:r>
-                                          <a:rPr lang="en-US" altLang="zh-CN" i="1">
-                                            <a:latin typeface="Cambria Math" panose="02040503050406030204" pitchFamily="18" charset="0"/>
-                                          </a:rPr>
-                                          <m:t>∈</m:t>
-                                        </m:r>
-                                        <m:r>
-                                          <a:rPr lang="en-US" altLang="zh-CN" i="1">
-                                            <a:latin typeface="Cambria Math" panose="02040503050406030204" pitchFamily="18" charset="0"/>
-                                          </a:rPr>
-                                          <m:t>𝑄</m:t>
-                                        </m:r>
+                                          <m:sup>
+                                            <m:r>
+                                              <a:rPr lang="en-US" altLang="zh-CN" i="1">
+                                                <a:latin typeface="Cambria Math" panose="02040503050406030204" pitchFamily="18" charset="0"/>
+                                              </a:rPr>
+                                              <m:t>′</m:t>
+                                            </m:r>
+                                          </m:sup>
+                                        </m:sSup>
                                       </m:e>
                                     </m:d>
+                                    <m:r>
+                                      <a:rPr lang="en-US" altLang="zh-CN" i="1">
+                                        <a:latin typeface="Cambria Math" panose="02040503050406030204" pitchFamily="18" charset="0"/>
+                                      </a:rPr>
+                                      <m:t>∈</m:t>
+                                    </m:r>
+                                    <m:r>
+                                      <a:rPr lang="en-US" altLang="zh-CN" i="1">
+                                        <a:latin typeface="Cambria Math" panose="02040503050406030204" pitchFamily="18" charset="0"/>
+                                      </a:rPr>
+                                      <m:t>𝑄</m:t>
+                                    </m:r>
                                   </m:e>
-                                </m:func>
-                              </m:den>
-                            </m:f>
-                          </m:e>
-                        </m:func>
+                                </m:d>
+                              </m:e>
+                            </m:func>
+                          </m:den>
+                        </m:f>
                       </m:e>
-                    </m:d>
-                    <m:r>
-                      <a:rPr lang="en-SE" altLang="zh-CN" b="0" i="1" smtClean="0">
-                        <a:latin typeface="Cambria Math" panose="02040503050406030204" pitchFamily="18" charset="0"/>
-                      </a:rPr>
-                      <m:t>=</m:t>
+                    </m:func>
+                    <m:r>
+                      <a:rPr lang="en-US" altLang="zh-CN" i="1">
+                        <a:latin typeface="Cambria Math" panose="02040503050406030204" pitchFamily="18" charset="0"/>
+                      </a:rPr>
+                      <m:t>|≤</m:t>
                     </m:r>
                     <m:func>
                       <m:funcPr>
@@ -11841,10 +11714,10 @@
                           <m:rPr>
                             <m:sty m:val="p"/>
                           </m:rPr>
-                          <a:rPr lang="en-SE" b="0" i="0" smtClean="0">
-                            <a:latin typeface="Cambria Math" panose="02040503050406030204" pitchFamily="18" charset="0"/>
-                          </a:rPr>
-                          <m:t>ln</m:t>
+                          <a:rPr lang="en-SE">
+                            <a:latin typeface="Cambria Math" panose="02040503050406030204" pitchFamily="18" charset="0"/>
+                          </a:rPr>
+                          <m:t>log</m:t>
                         </m:r>
                       </m:fName>
                       <m:e>
@@ -11866,7 +11739,7 @@
             </p:txBody>
           </p:sp>
         </mc:Choice>
-        <mc:Fallback>
+        <mc:Fallback xmlns="">
           <p:sp>
             <p:nvSpPr>
               <p:cNvPr id="3" name="Content Placeholder 2"/>
@@ -11879,7 +11752,7 @@
             </p:nvSpPr>
             <p:spPr>
               <a:blipFill>
-                <a:blip r:embed="rId3"/>
+                <a:blip r:embed="rId2"/>
                 <a:stretch>
                   <a:fillRect l="-1379" t="-1405" r="-2000"/>
                 </a:stretch>
@@ -11900,6 +11773,30 @@
           </p:sp>
         </mc:Fallback>
       </mc:AlternateContent>
+      <p:pic>
+        <p:nvPicPr>
+          <p:cNvPr id="4" name="Picture 3"/>
+          <p:cNvPicPr>
+            <a:picLocks noChangeAspect="1"/>
+          </p:cNvPicPr>
+          <p:nvPr/>
+        </p:nvPicPr>
+        <p:blipFill>
+          <a:blip r:embed="rId3"/>
+          <a:stretch>
+            <a:fillRect/>
+          </a:stretch>
+        </p:blipFill>
+        <p:spPr>
+          <a:xfrm>
+            <a:off x="9171736" y="1020188"/>
+            <a:ext cx="4808637" cy="5738357"/>
+          </a:xfrm>
+          <a:prstGeom prst="rect">
+            <a:avLst/>
+          </a:prstGeom>
+        </p:spPr>
+      </p:pic>
     </p:spTree>
     <p:extLst>
       <p:ext uri="{BB962C8B-B14F-4D97-AF65-F5344CB8AC3E}">
